--- a/EDA_MOG.pptx
+++ b/EDA_MOG.pptx
@@ -7,6 +7,8 @@
   <p:sldIdLst>
     <p:sldId id="256" r:id="rId2"/>
     <p:sldId id="257" r:id="rId3"/>
+    <p:sldId id="258" r:id="rId4"/>
+    <p:sldId id="259" r:id="rId5"/>
   </p:sldIdLst>
   <p:sldSz cx="12192000" cy="6858000"/>
   <p:notesSz cx="6858000" cy="9144000"/>
@@ -3454,7 +3456,10 @@
           <a:bodyPr/>
           <a:lstStyle/>
           <a:p>
-            <a:endParaRPr lang="en-US"/>
+            <a:r>
+              <a:rPr lang="en-US" dirty="0"/>
+              <a:t>Exploratory data analysis</a:t>
+            </a:r>
           </a:p>
         </p:txBody>
       </p:sp>
@@ -3479,7 +3484,57 @@
           <a:bodyPr/>
           <a:lstStyle/>
           <a:p>
-            <a:endParaRPr lang="en-US" dirty="0"/>
+            <a:r>
+              <a:rPr lang="en-US" dirty="0"/>
+              <a:t>Exploratory Data Analysis (EDA) is an approach to data analysis</a:t>
+            </a:r>
+          </a:p>
+          <a:p>
+            <a:r>
+              <a:rPr lang="en-US" dirty="0"/>
+              <a:t>Promoted by John Tukey to encourage statisticians to explore the data</a:t>
+            </a:r>
+          </a:p>
+          <a:p>
+            <a:r>
+              <a:rPr lang="en-US" dirty="0"/>
+              <a:t>Explore data in order to</a:t>
+            </a:r>
+          </a:p>
+          <a:p>
+            <a:pPr lvl="1"/>
+            <a:r>
+              <a:rPr lang="en-US" dirty="0"/>
+              <a:t>Summarize various characteristics of the data</a:t>
+            </a:r>
+          </a:p>
+          <a:p>
+            <a:pPr lvl="1"/>
+            <a:r>
+              <a:rPr lang="en-US" dirty="0"/>
+              <a:t>Uncover the hidden structure and patterns in data</a:t>
+            </a:r>
+          </a:p>
+          <a:p>
+            <a:pPr lvl="1"/>
+            <a:r>
+              <a:rPr lang="en-US" dirty="0"/>
+              <a:t>Check assumptions for fitting a statistical model</a:t>
+            </a:r>
+          </a:p>
+          <a:p>
+            <a:pPr lvl="1"/>
+            <a:r>
+              <a:rPr lang="en-US" dirty="0"/>
+              <a:t>Detect outliers in the dataset</a:t>
+            </a:r>
+          </a:p>
+          <a:p>
+            <a:pPr lvl="1"/>
+            <a:r>
+              <a:rPr lang="en-US" dirty="0"/>
+              <a:t>Formulate hypothesis </a:t>
+            </a:r>
           </a:p>
         </p:txBody>
       </p:sp>
@@ -3487,6 +3542,213 @@
     <p:extLst>
       <p:ext uri="{BB962C8B-B14F-4D97-AF65-F5344CB8AC3E}">
         <p14:creationId xmlns:p14="http://schemas.microsoft.com/office/powerpoint/2010/main" val="1419641961"/>
+      </p:ext>
+    </p:extLst>
+  </p:cSld>
+  <p:clrMapOvr>
+    <a:masterClrMapping/>
+  </p:clrMapOvr>
+</p:sld>
+</file>
+
+<file path=ppt/slides/slide3.xml><?xml version="1.0" encoding="utf-8"?>
+<p:sld xmlns:a="http://schemas.openxmlformats.org/drawingml/2006/main" xmlns:r="http://schemas.openxmlformats.org/officeDocument/2006/relationships" xmlns:p="http://schemas.openxmlformats.org/presentationml/2006/main">
+  <p:cSld>
+    <p:spTree>
+      <p:nvGrpSpPr>
+        <p:cNvPr id="1" name=""/>
+        <p:cNvGrpSpPr/>
+        <p:nvPr/>
+      </p:nvGrpSpPr>
+      <p:grpSpPr>
+        <a:xfrm>
+          <a:off x="0" y="0"/>
+          <a:ext cx="0" cy="0"/>
+          <a:chOff x="0" y="0"/>
+          <a:chExt cx="0" cy="0"/>
+        </a:xfrm>
+      </p:grpSpPr>
+      <p:sp>
+        <p:nvSpPr>
+          <p:cNvPr id="2" name="Title 1">
+            <a:extLst>
+              <a:ext uri="{FF2B5EF4-FFF2-40B4-BE49-F238E27FC236}">
+                <a16:creationId xmlns:a16="http://schemas.microsoft.com/office/drawing/2014/main" id="{AF5C539D-EBC1-4C61-A0B2-7834B6CF2028}"/>
+              </a:ext>
+            </a:extLst>
+          </p:cNvPr>
+          <p:cNvSpPr>
+            <a:spLocks noGrp="1"/>
+          </p:cNvSpPr>
+          <p:nvPr>
+            <p:ph type="title"/>
+          </p:nvPr>
+        </p:nvSpPr>
+        <p:spPr/>
+        <p:txBody>
+          <a:bodyPr/>
+          <a:lstStyle/>
+          <a:p>
+            <a:r>
+              <a:rPr lang="en-US" dirty="0"/>
+              <a:t>Tools for exploratory data analysis</a:t>
+            </a:r>
+          </a:p>
+        </p:txBody>
+      </p:sp>
+      <p:sp>
+        <p:nvSpPr>
+          <p:cNvPr id="3" name="Content Placeholder 2">
+            <a:extLst>
+              <a:ext uri="{FF2B5EF4-FFF2-40B4-BE49-F238E27FC236}">
+                <a16:creationId xmlns:a16="http://schemas.microsoft.com/office/drawing/2014/main" id="{9B81FD73-FB0D-40D5-8B8D-FD52BE875049}"/>
+              </a:ext>
+            </a:extLst>
+          </p:cNvPr>
+          <p:cNvSpPr>
+            <a:spLocks noGrp="1"/>
+          </p:cNvSpPr>
+          <p:nvPr>
+            <p:ph idx="1"/>
+          </p:nvPr>
+        </p:nvSpPr>
+        <p:spPr/>
+        <p:txBody>
+          <a:bodyPr/>
+          <a:lstStyle/>
+          <a:p>
+            <a:r>
+              <a:rPr lang="en-US" dirty="0"/>
+              <a:t>Most techniques used in EDA are graphical and a few are quantitative</a:t>
+            </a:r>
+          </a:p>
+          <a:p>
+            <a:r>
+              <a:rPr lang="en-US" dirty="0"/>
+              <a:t>Quantitative</a:t>
+            </a:r>
+          </a:p>
+          <a:p>
+            <a:pPr lvl="1"/>
+            <a:r>
+              <a:rPr lang="en-US" dirty="0"/>
+              <a:t>Median polish, Trimean, Ordination etc.</a:t>
+            </a:r>
+          </a:p>
+          <a:p>
+            <a:r>
+              <a:rPr lang="en-US" dirty="0"/>
+              <a:t>Graphical</a:t>
+            </a:r>
+          </a:p>
+          <a:p>
+            <a:pPr lvl="1"/>
+            <a:r>
+              <a:rPr lang="en-US" dirty="0"/>
+              <a:t>Scatter plots, Box plot, Histograms, Parallel coordinates etc.</a:t>
+            </a:r>
+          </a:p>
+        </p:txBody>
+      </p:sp>
+    </p:spTree>
+    <p:extLst>
+      <p:ext uri="{BB962C8B-B14F-4D97-AF65-F5344CB8AC3E}">
+        <p14:creationId xmlns:p14="http://schemas.microsoft.com/office/powerpoint/2010/main" val="2755085350"/>
+      </p:ext>
+    </p:extLst>
+  </p:cSld>
+  <p:clrMapOvr>
+    <a:masterClrMapping/>
+  </p:clrMapOvr>
+</p:sld>
+</file>
+
+<file path=ppt/slides/slide4.xml><?xml version="1.0" encoding="utf-8"?>
+<p:sld xmlns:a="http://schemas.openxmlformats.org/drawingml/2006/main" xmlns:r="http://schemas.openxmlformats.org/officeDocument/2006/relationships" xmlns:p="http://schemas.openxmlformats.org/presentationml/2006/main">
+  <p:cSld>
+    <p:spTree>
+      <p:nvGrpSpPr>
+        <p:cNvPr id="1" name=""/>
+        <p:cNvGrpSpPr/>
+        <p:nvPr/>
+      </p:nvGrpSpPr>
+      <p:grpSpPr>
+        <a:xfrm>
+          <a:off x="0" y="0"/>
+          <a:ext cx="0" cy="0"/>
+          <a:chOff x="0" y="0"/>
+          <a:chExt cx="0" cy="0"/>
+        </a:xfrm>
+      </p:grpSpPr>
+      <p:sp>
+        <p:nvSpPr>
+          <p:cNvPr id="2" name="Title 1">
+            <a:extLst>
+              <a:ext uri="{FF2B5EF4-FFF2-40B4-BE49-F238E27FC236}">
+                <a16:creationId xmlns:a16="http://schemas.microsoft.com/office/drawing/2014/main" id="{1D6DC5D6-4A6A-48D7-A3F7-F135BF803B9C}"/>
+              </a:ext>
+            </a:extLst>
+          </p:cNvPr>
+          <p:cNvSpPr>
+            <a:spLocks noGrp="1"/>
+          </p:cNvSpPr>
+          <p:nvPr>
+            <p:ph type="title"/>
+          </p:nvPr>
+        </p:nvSpPr>
+        <p:spPr/>
+        <p:txBody>
+          <a:bodyPr/>
+          <a:lstStyle/>
+          <a:p>
+            <a:r>
+              <a:rPr lang="en-US" dirty="0"/>
+              <a:t>Data visualization</a:t>
+            </a:r>
+          </a:p>
+        </p:txBody>
+      </p:sp>
+      <p:sp>
+        <p:nvSpPr>
+          <p:cNvPr id="3" name="Content Placeholder 2">
+            <a:extLst>
+              <a:ext uri="{FF2B5EF4-FFF2-40B4-BE49-F238E27FC236}">
+                <a16:creationId xmlns:a16="http://schemas.microsoft.com/office/drawing/2014/main" id="{B8375158-6445-4107-B198-7E5EF30CCE46}"/>
+              </a:ext>
+            </a:extLst>
+          </p:cNvPr>
+          <p:cNvSpPr>
+            <a:spLocks noGrp="1"/>
+          </p:cNvSpPr>
+          <p:nvPr>
+            <p:ph idx="1"/>
+          </p:nvPr>
+        </p:nvSpPr>
+        <p:spPr/>
+        <p:txBody>
+          <a:bodyPr/>
+          <a:lstStyle/>
+          <a:p>
+            <a:r>
+              <a:rPr lang="en-US" dirty="0"/>
+              <a:t>Communicate data by encoding it as  visual objects</a:t>
+            </a:r>
+          </a:p>
+          <a:p>
+            <a:r>
+              <a:rPr lang="en-US" dirty="0"/>
+              <a:t>Goal is to convey the idea efficiently and effectively</a:t>
+            </a:r>
+          </a:p>
+          <a:p>
+            <a:endParaRPr lang="en-US" dirty="0"/>
+          </a:p>
+        </p:txBody>
+      </p:sp>
+    </p:spTree>
+    <p:extLst>
+      <p:ext uri="{BB962C8B-B14F-4D97-AF65-F5344CB8AC3E}">
+        <p14:creationId xmlns:p14="http://schemas.microsoft.com/office/powerpoint/2010/main" val="3292606430"/>
       </p:ext>
     </p:extLst>
   </p:cSld>

--- a/EDA_MOG.pptx
+++ b/EDA_MOG.pptx
@@ -9,6 +9,10 @@
     <p:sldId id="257" r:id="rId3"/>
     <p:sldId id="258" r:id="rId4"/>
     <p:sldId id="259" r:id="rId5"/>
+    <p:sldId id="262" r:id="rId6"/>
+    <p:sldId id="263" r:id="rId7"/>
+    <p:sldId id="260" r:id="rId8"/>
+    <p:sldId id="261" r:id="rId9"/>
   </p:sldIdLst>
   <p:sldSz cx="12192000" cy="6858000"/>
   <p:notesSz cx="6858000" cy="9144000"/>
@@ -3645,7 +3649,15 @@
             <a:pPr lvl="1"/>
             <a:r>
               <a:rPr lang="en-US" dirty="0"/>
-              <a:t>Scatter plots, Box plot, Histograms, Parallel coordinates etc.</a:t>
+              <a:t>Scatter plots, Box plot, Histograms, Parallel coordinates</a:t>
+            </a:r>
+            <a:r>
+              <a:rPr lang="en-US"/>
+              <a:t>, Heat maps </a:t>
+            </a:r>
+            <a:r>
+              <a:rPr lang="en-US" dirty="0"/>
+              <a:t>etc.</a:t>
             </a:r>
           </a:p>
         </p:txBody>
@@ -3749,6 +3761,365 @@
     <p:extLst>
       <p:ext uri="{BB962C8B-B14F-4D97-AF65-F5344CB8AC3E}">
         <p14:creationId xmlns:p14="http://schemas.microsoft.com/office/powerpoint/2010/main" val="3292606430"/>
+      </p:ext>
+    </p:extLst>
+  </p:cSld>
+  <p:clrMapOvr>
+    <a:masterClrMapping/>
+  </p:clrMapOvr>
+</p:sld>
+</file>
+
+<file path=ppt/slides/slide5.xml><?xml version="1.0" encoding="utf-8"?>
+<p:sld xmlns:a="http://schemas.openxmlformats.org/drawingml/2006/main" xmlns:r="http://schemas.openxmlformats.org/officeDocument/2006/relationships" xmlns:p="http://schemas.openxmlformats.org/presentationml/2006/main">
+  <p:cSld>
+    <p:spTree>
+      <p:nvGrpSpPr>
+        <p:cNvPr id="1" name=""/>
+        <p:cNvGrpSpPr/>
+        <p:nvPr/>
+      </p:nvGrpSpPr>
+      <p:grpSpPr>
+        <a:xfrm>
+          <a:off x="0" y="0"/>
+          <a:ext cx="0" cy="0"/>
+          <a:chOff x="0" y="0"/>
+          <a:chExt cx="0" cy="0"/>
+        </a:xfrm>
+      </p:grpSpPr>
+      <p:sp>
+        <p:nvSpPr>
+          <p:cNvPr id="2" name="Title 1">
+            <a:extLst>
+              <a:ext uri="{FF2B5EF4-FFF2-40B4-BE49-F238E27FC236}">
+                <a16:creationId xmlns:a16="http://schemas.microsoft.com/office/drawing/2014/main" id="{1D6DC5D6-4A6A-48D7-A3F7-F135BF803B9C}"/>
+              </a:ext>
+            </a:extLst>
+          </p:cNvPr>
+          <p:cNvSpPr>
+            <a:spLocks noGrp="1"/>
+          </p:cNvSpPr>
+          <p:nvPr>
+            <p:ph type="title"/>
+          </p:nvPr>
+        </p:nvSpPr>
+        <p:spPr/>
+        <p:txBody>
+          <a:bodyPr/>
+          <a:lstStyle/>
+          <a:p>
+            <a:r>
+              <a:rPr lang="en-US" dirty="0"/>
+              <a:t>Data visualization history</a:t>
+            </a:r>
+          </a:p>
+        </p:txBody>
+      </p:sp>
+      <p:sp>
+        <p:nvSpPr>
+          <p:cNvPr id="3" name="Content Placeholder 2">
+            <a:extLst>
+              <a:ext uri="{FF2B5EF4-FFF2-40B4-BE49-F238E27FC236}">
+                <a16:creationId xmlns:a16="http://schemas.microsoft.com/office/drawing/2014/main" id="{B8375158-6445-4107-B198-7E5EF30CCE46}"/>
+              </a:ext>
+            </a:extLst>
+          </p:cNvPr>
+          <p:cNvSpPr>
+            <a:spLocks noGrp="1"/>
+          </p:cNvSpPr>
+          <p:nvPr>
+            <p:ph idx="1"/>
+          </p:nvPr>
+        </p:nvSpPr>
+        <p:spPr/>
+        <p:txBody>
+          <a:bodyPr/>
+          <a:lstStyle/>
+          <a:p>
+            <a:r>
+              <a:rPr lang="en-US" dirty="0"/>
+              <a:t>Communicate data by encoding it as  visual objects</a:t>
+            </a:r>
+          </a:p>
+          <a:p>
+            <a:r>
+              <a:rPr lang="en-US" dirty="0"/>
+              <a:t>Goal is to convey the idea efficiently and effectively</a:t>
+            </a:r>
+          </a:p>
+          <a:p>
+            <a:endParaRPr lang="en-US" dirty="0"/>
+          </a:p>
+        </p:txBody>
+      </p:sp>
+    </p:spTree>
+    <p:extLst>
+      <p:ext uri="{BB962C8B-B14F-4D97-AF65-F5344CB8AC3E}">
+        <p14:creationId xmlns:p14="http://schemas.microsoft.com/office/powerpoint/2010/main" val="1730660993"/>
+      </p:ext>
+    </p:extLst>
+  </p:cSld>
+  <p:clrMapOvr>
+    <a:masterClrMapping/>
+  </p:clrMapOvr>
+</p:sld>
+</file>
+
+<file path=ppt/slides/slide6.xml><?xml version="1.0" encoding="utf-8"?>
+<p:sld xmlns:a="http://schemas.openxmlformats.org/drawingml/2006/main" xmlns:r="http://schemas.openxmlformats.org/officeDocument/2006/relationships" xmlns:p="http://schemas.openxmlformats.org/presentationml/2006/main">
+  <p:cSld>
+    <p:spTree>
+      <p:nvGrpSpPr>
+        <p:cNvPr id="1" name=""/>
+        <p:cNvGrpSpPr/>
+        <p:nvPr/>
+      </p:nvGrpSpPr>
+      <p:grpSpPr>
+        <a:xfrm>
+          <a:off x="0" y="0"/>
+          <a:ext cx="0" cy="0"/>
+          <a:chOff x="0" y="0"/>
+          <a:chExt cx="0" cy="0"/>
+        </a:xfrm>
+      </p:grpSpPr>
+      <p:sp>
+        <p:nvSpPr>
+          <p:cNvPr id="2" name="Title 1">
+            <a:extLst>
+              <a:ext uri="{FF2B5EF4-FFF2-40B4-BE49-F238E27FC236}">
+                <a16:creationId xmlns:a16="http://schemas.microsoft.com/office/drawing/2014/main" id="{586CBE5C-8BE4-4E0A-BC27-BCA5A8AA53FF}"/>
+              </a:ext>
+            </a:extLst>
+          </p:cNvPr>
+          <p:cNvSpPr>
+            <a:spLocks noGrp="1"/>
+          </p:cNvSpPr>
+          <p:nvPr>
+            <p:ph type="title"/>
+          </p:nvPr>
+        </p:nvSpPr>
+        <p:spPr/>
+        <p:txBody>
+          <a:bodyPr/>
+          <a:lstStyle/>
+          <a:p>
+            <a:endParaRPr lang="en-US"/>
+          </a:p>
+        </p:txBody>
+      </p:sp>
+      <p:sp>
+        <p:nvSpPr>
+          <p:cNvPr id="3" name="Content Placeholder 2">
+            <a:extLst>
+              <a:ext uri="{FF2B5EF4-FFF2-40B4-BE49-F238E27FC236}">
+                <a16:creationId xmlns:a16="http://schemas.microsoft.com/office/drawing/2014/main" id="{626874F4-013F-4E8E-B349-F4A2DB22EC74}"/>
+              </a:ext>
+            </a:extLst>
+          </p:cNvPr>
+          <p:cNvSpPr>
+            <a:spLocks noGrp="1"/>
+          </p:cNvSpPr>
+          <p:nvPr>
+            <p:ph idx="1"/>
+          </p:nvPr>
+        </p:nvSpPr>
+        <p:spPr/>
+        <p:txBody>
+          <a:bodyPr/>
+          <a:lstStyle/>
+          <a:p>
+            <a:endParaRPr lang="en-US"/>
+          </a:p>
+        </p:txBody>
+      </p:sp>
+    </p:spTree>
+    <p:extLst>
+      <p:ext uri="{BB962C8B-B14F-4D97-AF65-F5344CB8AC3E}">
+        <p14:creationId xmlns:p14="http://schemas.microsoft.com/office/powerpoint/2010/main" val="3215637375"/>
+      </p:ext>
+    </p:extLst>
+  </p:cSld>
+  <p:clrMapOvr>
+    <a:masterClrMapping/>
+  </p:clrMapOvr>
+</p:sld>
+</file>
+
+<file path=ppt/slides/slide7.xml><?xml version="1.0" encoding="utf-8"?>
+<p:sld xmlns:a="http://schemas.openxmlformats.org/drawingml/2006/main" xmlns:r="http://schemas.openxmlformats.org/officeDocument/2006/relationships" xmlns:p="http://schemas.openxmlformats.org/presentationml/2006/main">
+  <p:cSld>
+    <p:spTree>
+      <p:nvGrpSpPr>
+        <p:cNvPr id="1" name=""/>
+        <p:cNvGrpSpPr/>
+        <p:nvPr/>
+      </p:nvGrpSpPr>
+      <p:grpSpPr>
+        <a:xfrm>
+          <a:off x="0" y="0"/>
+          <a:ext cx="0" cy="0"/>
+          <a:chOff x="0" y="0"/>
+          <a:chExt cx="0" cy="0"/>
+        </a:xfrm>
+      </p:grpSpPr>
+      <p:sp>
+        <p:nvSpPr>
+          <p:cNvPr id="2" name="Title 1">
+            <a:extLst>
+              <a:ext uri="{FF2B5EF4-FFF2-40B4-BE49-F238E27FC236}">
+                <a16:creationId xmlns:a16="http://schemas.microsoft.com/office/drawing/2014/main" id="{45E43B97-1371-4942-AEA2-7D095B695916}"/>
+              </a:ext>
+            </a:extLst>
+          </p:cNvPr>
+          <p:cNvSpPr>
+            <a:spLocks noGrp="1"/>
+          </p:cNvSpPr>
+          <p:nvPr>
+            <p:ph type="title"/>
+          </p:nvPr>
+        </p:nvSpPr>
+        <p:spPr/>
+        <p:txBody>
+          <a:bodyPr/>
+          <a:lstStyle/>
+          <a:p>
+            <a:r>
+              <a:rPr lang="en-US" dirty="0" err="1"/>
+              <a:t>MetaOmGraph</a:t>
+            </a:r>
+            <a:endParaRPr lang="en-US" dirty="0"/>
+          </a:p>
+        </p:txBody>
+      </p:sp>
+      <p:sp>
+        <p:nvSpPr>
+          <p:cNvPr id="3" name="Content Placeholder 2">
+            <a:extLst>
+              <a:ext uri="{FF2B5EF4-FFF2-40B4-BE49-F238E27FC236}">
+                <a16:creationId xmlns:a16="http://schemas.microsoft.com/office/drawing/2014/main" id="{6FBD5565-80D5-4796-894C-5A28797252DD}"/>
+              </a:ext>
+            </a:extLst>
+          </p:cNvPr>
+          <p:cNvSpPr>
+            <a:spLocks noGrp="1"/>
+          </p:cNvSpPr>
+          <p:nvPr>
+            <p:ph idx="1"/>
+          </p:nvPr>
+        </p:nvSpPr>
+        <p:spPr/>
+        <p:txBody>
+          <a:bodyPr/>
+          <a:lstStyle/>
+          <a:p>
+            <a:r>
+              <a:rPr lang="en-US" dirty="0" err="1"/>
+              <a:t>MetaOmGraph</a:t>
+            </a:r>
+            <a:r>
+              <a:rPr lang="en-US" dirty="0"/>
+              <a:t> (MOG)  is a software for statistical analysis and interactive exploration of big datasets</a:t>
+            </a:r>
+          </a:p>
+          <a:p>
+            <a:r>
+              <a:rPr lang="en-US" dirty="0"/>
+              <a:t>MOG is free and open source and written in java</a:t>
+            </a:r>
+          </a:p>
+        </p:txBody>
+      </p:sp>
+    </p:spTree>
+    <p:extLst>
+      <p:ext uri="{BB962C8B-B14F-4D97-AF65-F5344CB8AC3E}">
+        <p14:creationId xmlns:p14="http://schemas.microsoft.com/office/powerpoint/2010/main" val="3760406835"/>
+      </p:ext>
+    </p:extLst>
+  </p:cSld>
+  <p:clrMapOvr>
+    <a:masterClrMapping/>
+  </p:clrMapOvr>
+</p:sld>
+</file>
+
+<file path=ppt/slides/slide8.xml><?xml version="1.0" encoding="utf-8"?>
+<p:sld xmlns:a="http://schemas.openxmlformats.org/drawingml/2006/main" xmlns:r="http://schemas.openxmlformats.org/officeDocument/2006/relationships" xmlns:p="http://schemas.openxmlformats.org/presentationml/2006/main">
+  <p:cSld>
+    <p:spTree>
+      <p:nvGrpSpPr>
+        <p:cNvPr id="1" name=""/>
+        <p:cNvGrpSpPr/>
+        <p:nvPr/>
+      </p:nvGrpSpPr>
+      <p:grpSpPr>
+        <a:xfrm>
+          <a:off x="0" y="0"/>
+          <a:ext cx="0" cy="0"/>
+          <a:chOff x="0" y="0"/>
+          <a:chExt cx="0" cy="0"/>
+        </a:xfrm>
+      </p:grpSpPr>
+      <p:sp>
+        <p:nvSpPr>
+          <p:cNvPr id="2" name="Title 1">
+            <a:extLst>
+              <a:ext uri="{FF2B5EF4-FFF2-40B4-BE49-F238E27FC236}">
+                <a16:creationId xmlns:a16="http://schemas.microsoft.com/office/drawing/2014/main" id="{1F0CC2FC-D35F-4219-835D-30DBEF8ED207}"/>
+              </a:ext>
+            </a:extLst>
+          </p:cNvPr>
+          <p:cNvSpPr>
+            <a:spLocks noGrp="1"/>
+          </p:cNvSpPr>
+          <p:nvPr>
+            <p:ph type="title"/>
+          </p:nvPr>
+        </p:nvSpPr>
+        <p:spPr/>
+        <p:txBody>
+          <a:bodyPr/>
+          <a:lstStyle/>
+          <a:p>
+            <a:r>
+              <a:rPr lang="en-US" dirty="0" err="1"/>
+              <a:t>MetaOmGraph</a:t>
+            </a:r>
+            <a:r>
+              <a:rPr lang="en-US" dirty="0"/>
+              <a:t> fun facts</a:t>
+            </a:r>
+          </a:p>
+        </p:txBody>
+      </p:sp>
+      <p:sp>
+        <p:nvSpPr>
+          <p:cNvPr id="3" name="Content Placeholder 2">
+            <a:extLst>
+              <a:ext uri="{FF2B5EF4-FFF2-40B4-BE49-F238E27FC236}">
+                <a16:creationId xmlns:a16="http://schemas.microsoft.com/office/drawing/2014/main" id="{7D4BC822-5173-4C91-AA01-278B7064CD49}"/>
+              </a:ext>
+            </a:extLst>
+          </p:cNvPr>
+          <p:cNvSpPr>
+            <a:spLocks noGrp="1"/>
+          </p:cNvSpPr>
+          <p:nvPr>
+            <p:ph idx="1"/>
+          </p:nvPr>
+        </p:nvSpPr>
+        <p:spPr/>
+        <p:txBody>
+          <a:bodyPr/>
+          <a:lstStyle/>
+          <a:p>
+            <a:endParaRPr lang="en-US"/>
+          </a:p>
+        </p:txBody>
+      </p:sp>
+    </p:spTree>
+    <p:extLst>
+      <p:ext uri="{BB962C8B-B14F-4D97-AF65-F5344CB8AC3E}">
+        <p14:creationId xmlns:p14="http://schemas.microsoft.com/office/powerpoint/2010/main" val="4109012174"/>
       </p:ext>
     </p:extLst>
   </p:cSld>

--- a/EDA_MOG.pptx
+++ b/EDA_MOG.pptx
@@ -10,9 +10,25 @@
     <p:sldId id="258" r:id="rId4"/>
     <p:sldId id="259" r:id="rId5"/>
     <p:sldId id="262" r:id="rId6"/>
-    <p:sldId id="263" r:id="rId7"/>
-    <p:sldId id="260" r:id="rId8"/>
-    <p:sldId id="261" r:id="rId9"/>
+    <p:sldId id="265" r:id="rId7"/>
+    <p:sldId id="263" r:id="rId8"/>
+    <p:sldId id="264" r:id="rId9"/>
+    <p:sldId id="266" r:id="rId10"/>
+    <p:sldId id="267" r:id="rId11"/>
+    <p:sldId id="268" r:id="rId12"/>
+    <p:sldId id="269" r:id="rId13"/>
+    <p:sldId id="270" r:id="rId14"/>
+    <p:sldId id="260" r:id="rId15"/>
+    <p:sldId id="261" r:id="rId16"/>
+    <p:sldId id="271" r:id="rId17"/>
+    <p:sldId id="272" r:id="rId18"/>
+    <p:sldId id="275" r:id="rId19"/>
+    <p:sldId id="273" r:id="rId20"/>
+    <p:sldId id="276" r:id="rId21"/>
+    <p:sldId id="274" r:id="rId22"/>
+    <p:sldId id="277" r:id="rId23"/>
+    <p:sldId id="278" r:id="rId24"/>
+    <p:sldId id="279" r:id="rId25"/>
   </p:sldIdLst>
   <p:sldSz cx="12192000" cy="6858000"/>
   <p:notesSz cx="6858000" cy="9144000"/>
@@ -277,7 +293,7 @@
           <a:p>
             <a:fld id="{7D4639E1-E1EC-45A4-B1C6-51A7EAC02A90}" type="datetimeFigureOut">
               <a:rPr lang="en-US" smtClean="0"/>
-              <a:t>9/29/2018</a:t>
+              <a:t>9/30/2018</a:t>
             </a:fld>
             <a:endParaRPr lang="en-US"/>
           </a:p>
@@ -475,7 +491,7 @@
           <a:p>
             <a:fld id="{7D4639E1-E1EC-45A4-B1C6-51A7EAC02A90}" type="datetimeFigureOut">
               <a:rPr lang="en-US" smtClean="0"/>
-              <a:t>9/29/2018</a:t>
+              <a:t>9/30/2018</a:t>
             </a:fld>
             <a:endParaRPr lang="en-US"/>
           </a:p>
@@ -683,7 +699,7 @@
           <a:p>
             <a:fld id="{7D4639E1-E1EC-45A4-B1C6-51A7EAC02A90}" type="datetimeFigureOut">
               <a:rPr lang="en-US" smtClean="0"/>
-              <a:t>9/29/2018</a:t>
+              <a:t>9/30/2018</a:t>
             </a:fld>
             <a:endParaRPr lang="en-US"/>
           </a:p>
@@ -881,7 +897,7 @@
           <a:p>
             <a:fld id="{7D4639E1-E1EC-45A4-B1C6-51A7EAC02A90}" type="datetimeFigureOut">
               <a:rPr lang="en-US" smtClean="0"/>
-              <a:t>9/29/2018</a:t>
+              <a:t>9/30/2018</a:t>
             </a:fld>
             <a:endParaRPr lang="en-US"/>
           </a:p>
@@ -1156,7 +1172,7 @@
           <a:p>
             <a:fld id="{7D4639E1-E1EC-45A4-B1C6-51A7EAC02A90}" type="datetimeFigureOut">
               <a:rPr lang="en-US" smtClean="0"/>
-              <a:t>9/29/2018</a:t>
+              <a:t>9/30/2018</a:t>
             </a:fld>
             <a:endParaRPr lang="en-US"/>
           </a:p>
@@ -1421,7 +1437,7 @@
           <a:p>
             <a:fld id="{7D4639E1-E1EC-45A4-B1C6-51A7EAC02A90}" type="datetimeFigureOut">
               <a:rPr lang="en-US" smtClean="0"/>
-              <a:t>9/29/2018</a:t>
+              <a:t>9/30/2018</a:t>
             </a:fld>
             <a:endParaRPr lang="en-US"/>
           </a:p>
@@ -1833,7 +1849,7 @@
           <a:p>
             <a:fld id="{7D4639E1-E1EC-45A4-B1C6-51A7EAC02A90}" type="datetimeFigureOut">
               <a:rPr lang="en-US" smtClean="0"/>
-              <a:t>9/29/2018</a:t>
+              <a:t>9/30/2018</a:t>
             </a:fld>
             <a:endParaRPr lang="en-US"/>
           </a:p>
@@ -1974,7 +1990,7 @@
           <a:p>
             <a:fld id="{7D4639E1-E1EC-45A4-B1C6-51A7EAC02A90}" type="datetimeFigureOut">
               <a:rPr lang="en-US" smtClean="0"/>
-              <a:t>9/29/2018</a:t>
+              <a:t>9/30/2018</a:t>
             </a:fld>
             <a:endParaRPr lang="en-US"/>
           </a:p>
@@ -2087,7 +2103,7 @@
           <a:p>
             <a:fld id="{7D4639E1-E1EC-45A4-B1C6-51A7EAC02A90}" type="datetimeFigureOut">
               <a:rPr lang="en-US" smtClean="0"/>
-              <a:t>9/29/2018</a:t>
+              <a:t>9/30/2018</a:t>
             </a:fld>
             <a:endParaRPr lang="en-US"/>
           </a:p>
@@ -2398,7 +2414,7 @@
           <a:p>
             <a:fld id="{7D4639E1-E1EC-45A4-B1C6-51A7EAC02A90}" type="datetimeFigureOut">
               <a:rPr lang="en-US" smtClean="0"/>
-              <a:t>9/29/2018</a:t>
+              <a:t>9/30/2018</a:t>
             </a:fld>
             <a:endParaRPr lang="en-US"/>
           </a:p>
@@ -2686,7 +2702,7 @@
           <a:p>
             <a:fld id="{7D4639E1-E1EC-45A4-B1C6-51A7EAC02A90}" type="datetimeFigureOut">
               <a:rPr lang="en-US" smtClean="0"/>
-              <a:t>9/29/2018</a:t>
+              <a:t>9/30/2018</a:t>
             </a:fld>
             <a:endParaRPr lang="en-US"/>
           </a:p>
@@ -2927,7 +2943,7 @@
           <a:p>
             <a:fld id="{7D4639E1-E1EC-45A4-B1C6-51A7EAC02A90}" type="datetimeFigureOut">
               <a:rPr lang="en-US" smtClean="0"/>
-              <a:t>9/29/2018</a:t>
+              <a:t>9/30/2018</a:t>
             </a:fld>
             <a:endParaRPr lang="en-US"/>
           </a:p>
@@ -3422,6 +3438,1809 @@
 </p:sld>
 </file>
 
+<file path=ppt/slides/slide10.xml><?xml version="1.0" encoding="utf-8"?>
+<p:sld xmlns:a="http://schemas.openxmlformats.org/drawingml/2006/main" xmlns:r="http://schemas.openxmlformats.org/officeDocument/2006/relationships" xmlns:p="http://schemas.openxmlformats.org/presentationml/2006/main">
+  <p:cSld>
+    <p:spTree>
+      <p:nvGrpSpPr>
+        <p:cNvPr id="1" name=""/>
+        <p:cNvGrpSpPr/>
+        <p:nvPr/>
+      </p:nvGrpSpPr>
+      <p:grpSpPr>
+        <a:xfrm>
+          <a:off x="0" y="0"/>
+          <a:ext cx="0" cy="0"/>
+          <a:chOff x="0" y="0"/>
+          <a:chExt cx="0" cy="0"/>
+        </a:xfrm>
+      </p:grpSpPr>
+      <p:sp>
+        <p:nvSpPr>
+          <p:cNvPr id="2" name="Title 1">
+            <a:extLst>
+              <a:ext uri="{FF2B5EF4-FFF2-40B4-BE49-F238E27FC236}">
+                <a16:creationId xmlns:a16="http://schemas.microsoft.com/office/drawing/2014/main" id="{586CBE5C-8BE4-4E0A-BC27-BCA5A8AA53FF}"/>
+              </a:ext>
+            </a:extLst>
+          </p:cNvPr>
+          <p:cNvSpPr>
+            <a:spLocks noGrp="1"/>
+          </p:cNvSpPr>
+          <p:nvPr>
+            <p:ph type="title"/>
+          </p:nvPr>
+        </p:nvSpPr>
+        <p:spPr/>
+        <p:txBody>
+          <a:bodyPr/>
+          <a:lstStyle/>
+          <a:p>
+            <a:r>
+              <a:rPr lang="en-US" dirty="0"/>
+              <a:t>Data visualization history</a:t>
+            </a:r>
+          </a:p>
+        </p:txBody>
+      </p:sp>
+      <p:sp>
+        <p:nvSpPr>
+          <p:cNvPr id="3" name="Content Placeholder 2">
+            <a:extLst>
+              <a:ext uri="{FF2B5EF4-FFF2-40B4-BE49-F238E27FC236}">
+                <a16:creationId xmlns:a16="http://schemas.microsoft.com/office/drawing/2014/main" id="{626874F4-013F-4E8E-B349-F4A2DB22EC74}"/>
+              </a:ext>
+            </a:extLst>
+          </p:cNvPr>
+          <p:cNvSpPr>
+            <a:spLocks noGrp="1"/>
+          </p:cNvSpPr>
+          <p:nvPr>
+            <p:ph idx="1"/>
+          </p:nvPr>
+        </p:nvSpPr>
+        <p:spPr>
+          <a:xfrm>
+            <a:off x="6096000" y="1825625"/>
+            <a:ext cx="5257800" cy="4351338"/>
+          </a:xfrm>
+        </p:spPr>
+        <p:txBody>
+          <a:bodyPr>
+            <a:normAutofit fontScale="70000" lnSpcReduction="20000"/>
+          </a:bodyPr>
+          <a:lstStyle/>
+          <a:p>
+            <a:r>
+              <a:rPr lang="en-US" dirty="0"/>
+              <a:t>The earliest visualization arose in geometric diagrams of celestial bodies and maps.</a:t>
+            </a:r>
+          </a:p>
+          <a:p>
+            <a:r>
+              <a:rPr lang="en-US" dirty="0"/>
+              <a:t>Descartes invented the graph in 17</a:t>
+            </a:r>
+            <a:r>
+              <a:rPr lang="en-US" baseline="30000" dirty="0"/>
+              <a:t>th</a:t>
+            </a:r>
+            <a:r>
+              <a:rPr lang="en-US" dirty="0"/>
+              <a:t> century.</a:t>
+            </a:r>
+          </a:p>
+          <a:p>
+            <a:r>
+              <a:rPr lang="en-US" dirty="0"/>
+              <a:t>Early beginnings of statistical theory and data collection in 18</a:t>
+            </a:r>
+            <a:r>
+              <a:rPr lang="en-US" baseline="30000" dirty="0"/>
+              <a:t>th</a:t>
+            </a:r>
+            <a:r>
+              <a:rPr lang="en-US" dirty="0"/>
+              <a:t> century</a:t>
+            </a:r>
+          </a:p>
+          <a:p>
+            <a:r>
+              <a:rPr lang="en-US" b="1" dirty="0"/>
+              <a:t>Rapid growth in statistical graphics. bar and pie charts, histograms, line graphs, contour plots, scatter plots were invented in 19</a:t>
+            </a:r>
+            <a:r>
+              <a:rPr lang="en-US" b="1" baseline="30000" dirty="0"/>
+              <a:t>th</a:t>
+            </a:r>
+            <a:r>
+              <a:rPr lang="en-US" b="1" dirty="0"/>
+              <a:t> century.</a:t>
+            </a:r>
+          </a:p>
+          <a:p>
+            <a:r>
+              <a:rPr lang="en-US" dirty="0"/>
+              <a:t>In 1950 John W. Tukey published The Future of Data Analysis</a:t>
+            </a:r>
+          </a:p>
+          <a:p>
+            <a:r>
+              <a:rPr lang="en-US" dirty="0"/>
+              <a:t>In 1960, the possibility to construct new graphics with computers</a:t>
+            </a:r>
+          </a:p>
+          <a:p>
+            <a:r>
+              <a:rPr lang="en-US" dirty="0"/>
+              <a:t>Presently, we have high-dimensional data to visualize. Challenging to have dynamic and interactive visualizations</a:t>
+            </a:r>
+          </a:p>
+          <a:p>
+            <a:endParaRPr lang="en-US" dirty="0"/>
+          </a:p>
+          <a:p>
+            <a:endParaRPr lang="en-US" dirty="0"/>
+          </a:p>
+          <a:p>
+            <a:endParaRPr lang="en-US" dirty="0"/>
+          </a:p>
+          <a:p>
+            <a:endParaRPr lang="en-US" dirty="0"/>
+          </a:p>
+          <a:p>
+            <a:endParaRPr lang="en-US" dirty="0"/>
+          </a:p>
+          <a:p>
+            <a:endParaRPr lang="en-US" dirty="0"/>
+          </a:p>
+        </p:txBody>
+      </p:sp>
+      <p:pic>
+        <p:nvPicPr>
+          <p:cNvPr id="4" name="Picture 3">
+            <a:extLst>
+              <a:ext uri="{FF2B5EF4-FFF2-40B4-BE49-F238E27FC236}">
+                <a16:creationId xmlns:a16="http://schemas.microsoft.com/office/drawing/2014/main" id="{B03B40C1-3C56-4B77-8DA4-F1228AC0E66B}"/>
+              </a:ext>
+            </a:extLst>
+          </p:cNvPr>
+          <p:cNvPicPr>
+            <a:picLocks noChangeAspect="1"/>
+          </p:cNvPicPr>
+          <p:nvPr/>
+        </p:nvPicPr>
+        <p:blipFill rotWithShape="1">
+          <a:blip r:embed="rId2"/>
+          <a:srcRect l="36330" t="24626" r="26996" b="32692"/>
+          <a:stretch/>
+        </p:blipFill>
+        <p:spPr>
+          <a:xfrm>
+            <a:off x="1426128" y="1690688"/>
+            <a:ext cx="4471332" cy="2818702"/>
+          </a:xfrm>
+          <a:prstGeom prst="rect">
+            <a:avLst/>
+          </a:prstGeom>
+        </p:spPr>
+      </p:pic>
+      <p:sp>
+        <p:nvSpPr>
+          <p:cNvPr id="7" name="TextBox 6">
+            <a:extLst>
+              <a:ext uri="{FF2B5EF4-FFF2-40B4-BE49-F238E27FC236}">
+                <a16:creationId xmlns:a16="http://schemas.microsoft.com/office/drawing/2014/main" id="{F340A6C1-62E1-4878-B988-5E3E115FE676}"/>
+              </a:ext>
+            </a:extLst>
+          </p:cNvPr>
+          <p:cNvSpPr txBox="1"/>
+          <p:nvPr/>
+        </p:nvSpPr>
+        <p:spPr>
+          <a:xfrm>
+            <a:off x="1426128" y="4571999"/>
+            <a:ext cx="5408103" cy="430887"/>
+          </a:xfrm>
+          <a:prstGeom prst="rect">
+            <a:avLst/>
+          </a:prstGeom>
+          <a:noFill/>
+        </p:spPr>
+        <p:txBody>
+          <a:bodyPr wrap="square" rtlCol="0">
+            <a:spAutoFit/>
+          </a:bodyPr>
+          <a:lstStyle/>
+          <a:p>
+            <a:r>
+              <a:rPr lang="en-US" sz="1100" dirty="0"/>
+              <a:t>Ref: Friendly, Michael. "A brief history of data visualization." </a:t>
+            </a:r>
+            <a:r>
+              <a:rPr lang="en-US" sz="1100" i="1" dirty="0"/>
+              <a:t>Handbook of data visualization</a:t>
+            </a:r>
+            <a:r>
+              <a:rPr lang="en-US" sz="1100" dirty="0"/>
+              <a:t>. Springer, Berlin, Heidelberg, 2008. 15-56.</a:t>
+            </a:r>
+          </a:p>
+        </p:txBody>
+      </p:sp>
+    </p:spTree>
+    <p:extLst>
+      <p:ext uri="{BB962C8B-B14F-4D97-AF65-F5344CB8AC3E}">
+        <p14:creationId xmlns:p14="http://schemas.microsoft.com/office/powerpoint/2010/main" val="2891605335"/>
+      </p:ext>
+    </p:extLst>
+  </p:cSld>
+  <p:clrMapOvr>
+    <a:masterClrMapping/>
+  </p:clrMapOvr>
+</p:sld>
+</file>
+
+<file path=ppt/slides/slide11.xml><?xml version="1.0" encoding="utf-8"?>
+<p:sld xmlns:a="http://schemas.openxmlformats.org/drawingml/2006/main" xmlns:r="http://schemas.openxmlformats.org/officeDocument/2006/relationships" xmlns:p="http://schemas.openxmlformats.org/presentationml/2006/main">
+  <p:cSld>
+    <p:spTree>
+      <p:nvGrpSpPr>
+        <p:cNvPr id="1" name=""/>
+        <p:cNvGrpSpPr/>
+        <p:nvPr/>
+      </p:nvGrpSpPr>
+      <p:grpSpPr>
+        <a:xfrm>
+          <a:off x="0" y="0"/>
+          <a:ext cx="0" cy="0"/>
+          <a:chOff x="0" y="0"/>
+          <a:chExt cx="0" cy="0"/>
+        </a:xfrm>
+      </p:grpSpPr>
+      <p:sp>
+        <p:nvSpPr>
+          <p:cNvPr id="2" name="Title 1">
+            <a:extLst>
+              <a:ext uri="{FF2B5EF4-FFF2-40B4-BE49-F238E27FC236}">
+                <a16:creationId xmlns:a16="http://schemas.microsoft.com/office/drawing/2014/main" id="{586CBE5C-8BE4-4E0A-BC27-BCA5A8AA53FF}"/>
+              </a:ext>
+            </a:extLst>
+          </p:cNvPr>
+          <p:cNvSpPr>
+            <a:spLocks noGrp="1"/>
+          </p:cNvSpPr>
+          <p:nvPr>
+            <p:ph type="title"/>
+          </p:nvPr>
+        </p:nvSpPr>
+        <p:spPr/>
+        <p:txBody>
+          <a:bodyPr/>
+          <a:lstStyle/>
+          <a:p>
+            <a:r>
+              <a:rPr lang="en-US" dirty="0"/>
+              <a:t>Data visualization history</a:t>
+            </a:r>
+          </a:p>
+        </p:txBody>
+      </p:sp>
+      <p:sp>
+        <p:nvSpPr>
+          <p:cNvPr id="3" name="Content Placeholder 2">
+            <a:extLst>
+              <a:ext uri="{FF2B5EF4-FFF2-40B4-BE49-F238E27FC236}">
+                <a16:creationId xmlns:a16="http://schemas.microsoft.com/office/drawing/2014/main" id="{626874F4-013F-4E8E-B349-F4A2DB22EC74}"/>
+              </a:ext>
+            </a:extLst>
+          </p:cNvPr>
+          <p:cNvSpPr>
+            <a:spLocks noGrp="1"/>
+          </p:cNvSpPr>
+          <p:nvPr>
+            <p:ph idx="1"/>
+          </p:nvPr>
+        </p:nvSpPr>
+        <p:spPr>
+          <a:xfrm>
+            <a:off x="6096000" y="1825625"/>
+            <a:ext cx="5257800" cy="4351338"/>
+          </a:xfrm>
+        </p:spPr>
+        <p:txBody>
+          <a:bodyPr>
+            <a:normAutofit fontScale="70000" lnSpcReduction="20000"/>
+          </a:bodyPr>
+          <a:lstStyle/>
+          <a:p>
+            <a:r>
+              <a:rPr lang="en-US" dirty="0"/>
+              <a:t>The earliest visualization arose in geometric diagrams of celestial bodies and maps.</a:t>
+            </a:r>
+          </a:p>
+          <a:p>
+            <a:r>
+              <a:rPr lang="en-US" dirty="0"/>
+              <a:t>Descartes invented the graph in 17</a:t>
+            </a:r>
+            <a:r>
+              <a:rPr lang="en-US" baseline="30000" dirty="0"/>
+              <a:t>th</a:t>
+            </a:r>
+            <a:r>
+              <a:rPr lang="en-US" dirty="0"/>
+              <a:t> century.</a:t>
+            </a:r>
+          </a:p>
+          <a:p>
+            <a:r>
+              <a:rPr lang="en-US" dirty="0"/>
+              <a:t>Early beginnings of statistical theory and data collection in 18</a:t>
+            </a:r>
+            <a:r>
+              <a:rPr lang="en-US" baseline="30000" dirty="0"/>
+              <a:t>th</a:t>
+            </a:r>
+            <a:r>
+              <a:rPr lang="en-US" dirty="0"/>
+              <a:t> century</a:t>
+            </a:r>
+          </a:p>
+          <a:p>
+            <a:r>
+              <a:rPr lang="en-US" dirty="0"/>
+              <a:t>Rapid growth in statistical graphics. bar and pie charts, histograms, line graphs, contour plots, scatter plots were invented in 19</a:t>
+            </a:r>
+            <a:r>
+              <a:rPr lang="en-US" baseline="30000" dirty="0"/>
+              <a:t>th</a:t>
+            </a:r>
+            <a:r>
+              <a:rPr lang="en-US" dirty="0"/>
+              <a:t> century.</a:t>
+            </a:r>
+          </a:p>
+          <a:p>
+            <a:r>
+              <a:rPr lang="en-US" b="1" dirty="0"/>
+              <a:t>In 1950 John W. Tukey published The Future of Data Analysis</a:t>
+            </a:r>
+          </a:p>
+          <a:p>
+            <a:r>
+              <a:rPr lang="en-US" dirty="0"/>
+              <a:t>In 1960, the possibility to construct new graphics with computers</a:t>
+            </a:r>
+          </a:p>
+          <a:p>
+            <a:r>
+              <a:rPr lang="en-US" dirty="0"/>
+              <a:t>Presently, we have high-dimensional data to visualize. Challenging to have dynamic and interactive visualizations</a:t>
+            </a:r>
+          </a:p>
+          <a:p>
+            <a:endParaRPr lang="en-US" dirty="0"/>
+          </a:p>
+          <a:p>
+            <a:endParaRPr lang="en-US" dirty="0"/>
+          </a:p>
+          <a:p>
+            <a:endParaRPr lang="en-US" dirty="0"/>
+          </a:p>
+          <a:p>
+            <a:endParaRPr lang="en-US" dirty="0"/>
+          </a:p>
+          <a:p>
+            <a:endParaRPr lang="en-US" dirty="0"/>
+          </a:p>
+          <a:p>
+            <a:endParaRPr lang="en-US" dirty="0"/>
+          </a:p>
+        </p:txBody>
+      </p:sp>
+      <p:sp>
+        <p:nvSpPr>
+          <p:cNvPr id="7" name="TextBox 6">
+            <a:extLst>
+              <a:ext uri="{FF2B5EF4-FFF2-40B4-BE49-F238E27FC236}">
+                <a16:creationId xmlns:a16="http://schemas.microsoft.com/office/drawing/2014/main" id="{F340A6C1-62E1-4878-B988-5E3E115FE676}"/>
+              </a:ext>
+            </a:extLst>
+          </p:cNvPr>
+          <p:cNvSpPr txBox="1"/>
+          <p:nvPr/>
+        </p:nvSpPr>
+        <p:spPr>
+          <a:xfrm>
+            <a:off x="1518408" y="4955548"/>
+            <a:ext cx="4471332" cy="600164"/>
+          </a:xfrm>
+          <a:prstGeom prst="rect">
+            <a:avLst/>
+          </a:prstGeom>
+          <a:noFill/>
+        </p:spPr>
+        <p:txBody>
+          <a:bodyPr wrap="square" rtlCol="0">
+            <a:spAutoFit/>
+          </a:bodyPr>
+          <a:lstStyle/>
+          <a:p>
+            <a:r>
+              <a:rPr lang="en-US" sz="1100" dirty="0"/>
+              <a:t>John Tukey was an American mathematician best known for development of the FFT algorithm, box plot and EDA.</a:t>
+            </a:r>
+            <a:br>
+              <a:rPr lang="en-US" sz="1100" dirty="0"/>
+            </a:br>
+            <a:r>
+              <a:rPr lang="en-US" sz="1100" dirty="0"/>
+              <a:t>Ref: https://en.wikipedia.org/wiki/Exploratory_data_analysis</a:t>
+            </a:r>
+          </a:p>
+        </p:txBody>
+      </p:sp>
+      <p:pic>
+        <p:nvPicPr>
+          <p:cNvPr id="6" name="Picture 5">
+            <a:extLst>
+              <a:ext uri="{FF2B5EF4-FFF2-40B4-BE49-F238E27FC236}">
+                <a16:creationId xmlns:a16="http://schemas.microsoft.com/office/drawing/2014/main" id="{D4135280-6E52-4AF3-8495-6B952BEFC8EB}"/>
+              </a:ext>
+            </a:extLst>
+          </p:cNvPr>
+          <p:cNvPicPr>
+            <a:picLocks noChangeAspect="1"/>
+          </p:cNvPicPr>
+          <p:nvPr/>
+        </p:nvPicPr>
+        <p:blipFill>
+          <a:blip r:embed="rId2">
+            <a:extLst>
+              <a:ext uri="{28A0092B-C50C-407E-A947-70E740481C1C}">
+                <a14:useLocalDpi xmlns:a14="http://schemas.microsoft.com/office/drawing/2010/main" val="0"/>
+              </a:ext>
+            </a:extLst>
+          </a:blip>
+          <a:stretch>
+            <a:fillRect/>
+          </a:stretch>
+        </p:blipFill>
+        <p:spPr>
+          <a:xfrm>
+            <a:off x="2529996" y="1825625"/>
+            <a:ext cx="2462136" cy="2994986"/>
+          </a:xfrm>
+          <a:prstGeom prst="rect">
+            <a:avLst/>
+          </a:prstGeom>
+        </p:spPr>
+      </p:pic>
+    </p:spTree>
+    <p:extLst>
+      <p:ext uri="{BB962C8B-B14F-4D97-AF65-F5344CB8AC3E}">
+        <p14:creationId xmlns:p14="http://schemas.microsoft.com/office/powerpoint/2010/main" val="3048452106"/>
+      </p:ext>
+    </p:extLst>
+  </p:cSld>
+  <p:clrMapOvr>
+    <a:masterClrMapping/>
+  </p:clrMapOvr>
+</p:sld>
+</file>
+
+<file path=ppt/slides/slide12.xml><?xml version="1.0" encoding="utf-8"?>
+<p:sld xmlns:a="http://schemas.openxmlformats.org/drawingml/2006/main" xmlns:r="http://schemas.openxmlformats.org/officeDocument/2006/relationships" xmlns:p="http://schemas.openxmlformats.org/presentationml/2006/main">
+  <p:cSld>
+    <p:spTree>
+      <p:nvGrpSpPr>
+        <p:cNvPr id="1" name=""/>
+        <p:cNvGrpSpPr/>
+        <p:nvPr/>
+      </p:nvGrpSpPr>
+      <p:grpSpPr>
+        <a:xfrm>
+          <a:off x="0" y="0"/>
+          <a:ext cx="0" cy="0"/>
+          <a:chOff x="0" y="0"/>
+          <a:chExt cx="0" cy="0"/>
+        </a:xfrm>
+      </p:grpSpPr>
+      <p:sp>
+        <p:nvSpPr>
+          <p:cNvPr id="2" name="Title 1">
+            <a:extLst>
+              <a:ext uri="{FF2B5EF4-FFF2-40B4-BE49-F238E27FC236}">
+                <a16:creationId xmlns:a16="http://schemas.microsoft.com/office/drawing/2014/main" id="{586CBE5C-8BE4-4E0A-BC27-BCA5A8AA53FF}"/>
+              </a:ext>
+            </a:extLst>
+          </p:cNvPr>
+          <p:cNvSpPr>
+            <a:spLocks noGrp="1"/>
+          </p:cNvSpPr>
+          <p:nvPr>
+            <p:ph type="title"/>
+          </p:nvPr>
+        </p:nvSpPr>
+        <p:spPr/>
+        <p:txBody>
+          <a:bodyPr/>
+          <a:lstStyle/>
+          <a:p>
+            <a:r>
+              <a:rPr lang="en-US" dirty="0"/>
+              <a:t>Data visualization history</a:t>
+            </a:r>
+          </a:p>
+        </p:txBody>
+      </p:sp>
+      <p:sp>
+        <p:nvSpPr>
+          <p:cNvPr id="3" name="Content Placeholder 2">
+            <a:extLst>
+              <a:ext uri="{FF2B5EF4-FFF2-40B4-BE49-F238E27FC236}">
+                <a16:creationId xmlns:a16="http://schemas.microsoft.com/office/drawing/2014/main" id="{626874F4-013F-4E8E-B349-F4A2DB22EC74}"/>
+              </a:ext>
+            </a:extLst>
+          </p:cNvPr>
+          <p:cNvSpPr>
+            <a:spLocks noGrp="1"/>
+          </p:cNvSpPr>
+          <p:nvPr>
+            <p:ph idx="1"/>
+          </p:nvPr>
+        </p:nvSpPr>
+        <p:spPr>
+          <a:xfrm>
+            <a:off x="6096000" y="1825625"/>
+            <a:ext cx="5257800" cy="4351338"/>
+          </a:xfrm>
+        </p:spPr>
+        <p:txBody>
+          <a:bodyPr>
+            <a:normAutofit fontScale="70000" lnSpcReduction="20000"/>
+          </a:bodyPr>
+          <a:lstStyle/>
+          <a:p>
+            <a:r>
+              <a:rPr lang="en-US" dirty="0"/>
+              <a:t>The earliest visualization arose in geometric diagrams of celestial bodies and maps.</a:t>
+            </a:r>
+          </a:p>
+          <a:p>
+            <a:r>
+              <a:rPr lang="en-US" dirty="0"/>
+              <a:t>Descartes invented the graph in 17</a:t>
+            </a:r>
+            <a:r>
+              <a:rPr lang="en-US" baseline="30000" dirty="0"/>
+              <a:t>th</a:t>
+            </a:r>
+            <a:r>
+              <a:rPr lang="en-US" dirty="0"/>
+              <a:t> century.</a:t>
+            </a:r>
+          </a:p>
+          <a:p>
+            <a:r>
+              <a:rPr lang="en-US" dirty="0"/>
+              <a:t>Early beginnings of statistical theory and data collection in 18</a:t>
+            </a:r>
+            <a:r>
+              <a:rPr lang="en-US" baseline="30000" dirty="0"/>
+              <a:t>th</a:t>
+            </a:r>
+            <a:r>
+              <a:rPr lang="en-US" dirty="0"/>
+              <a:t> century</a:t>
+            </a:r>
+          </a:p>
+          <a:p>
+            <a:r>
+              <a:rPr lang="en-US" dirty="0"/>
+              <a:t>Rapid growth in statistical graphics. bar and pie charts, histograms, line graphs, contour plots, scatter plots were invented in 19</a:t>
+            </a:r>
+            <a:r>
+              <a:rPr lang="en-US" baseline="30000" dirty="0"/>
+              <a:t>th</a:t>
+            </a:r>
+            <a:r>
+              <a:rPr lang="en-US" dirty="0"/>
+              <a:t> century.</a:t>
+            </a:r>
+          </a:p>
+          <a:p>
+            <a:r>
+              <a:rPr lang="en-US" dirty="0"/>
+              <a:t>In 1950 John W. Tukey published The Future of Data Analysis</a:t>
+            </a:r>
+          </a:p>
+          <a:p>
+            <a:r>
+              <a:rPr lang="en-US" b="1" dirty="0"/>
+              <a:t>In 1960, the possibility to construct new graphics with computers</a:t>
+            </a:r>
+          </a:p>
+          <a:p>
+            <a:r>
+              <a:rPr lang="en-US" dirty="0"/>
+              <a:t>Presently, we have high-dimensional data to visualize. Challenging to have dynamic and interactive visualizations</a:t>
+            </a:r>
+          </a:p>
+          <a:p>
+            <a:endParaRPr lang="en-US" dirty="0"/>
+          </a:p>
+          <a:p>
+            <a:endParaRPr lang="en-US" dirty="0"/>
+          </a:p>
+          <a:p>
+            <a:endParaRPr lang="en-US" dirty="0"/>
+          </a:p>
+          <a:p>
+            <a:endParaRPr lang="en-US" dirty="0"/>
+          </a:p>
+          <a:p>
+            <a:endParaRPr lang="en-US" dirty="0"/>
+          </a:p>
+          <a:p>
+            <a:endParaRPr lang="en-US" dirty="0"/>
+          </a:p>
+        </p:txBody>
+      </p:sp>
+      <p:sp>
+        <p:nvSpPr>
+          <p:cNvPr id="7" name="TextBox 6">
+            <a:extLst>
+              <a:ext uri="{FF2B5EF4-FFF2-40B4-BE49-F238E27FC236}">
+                <a16:creationId xmlns:a16="http://schemas.microsoft.com/office/drawing/2014/main" id="{F340A6C1-62E1-4878-B988-5E3E115FE676}"/>
+              </a:ext>
+            </a:extLst>
+          </p:cNvPr>
+          <p:cNvSpPr txBox="1"/>
+          <p:nvPr/>
+        </p:nvSpPr>
+        <p:spPr>
+          <a:xfrm>
+            <a:off x="1624668" y="5255630"/>
+            <a:ext cx="4471332" cy="769441"/>
+          </a:xfrm>
+          <a:prstGeom prst="rect">
+            <a:avLst/>
+          </a:prstGeom>
+          <a:noFill/>
+        </p:spPr>
+        <p:txBody>
+          <a:bodyPr wrap="square" rtlCol="0">
+            <a:spAutoFit/>
+          </a:bodyPr>
+          <a:lstStyle/>
+          <a:p>
+            <a:r>
+              <a:rPr lang="en-US" sz="1100" dirty="0"/>
+              <a:t>Fortran is a general-purpose, compiled imperative programming language that is especially suited to numeric computation and scientific computing originally developed by IBM. </a:t>
+            </a:r>
+            <a:br>
+              <a:rPr lang="en-US" sz="1100" dirty="0"/>
+            </a:br>
+            <a:r>
+              <a:rPr lang="en-US" sz="1100" dirty="0"/>
+              <a:t>Ref: https://en.wikipedia.org/wiki/Fortran</a:t>
+            </a:r>
+          </a:p>
+        </p:txBody>
+      </p:sp>
+      <p:pic>
+        <p:nvPicPr>
+          <p:cNvPr id="5" name="Picture 4">
+            <a:extLst>
+              <a:ext uri="{FF2B5EF4-FFF2-40B4-BE49-F238E27FC236}">
+                <a16:creationId xmlns:a16="http://schemas.microsoft.com/office/drawing/2014/main" id="{F10EB0F6-17B4-461E-8AF8-432172B4C895}"/>
+              </a:ext>
+            </a:extLst>
+          </p:cNvPr>
+          <p:cNvPicPr>
+            <a:picLocks noChangeAspect="1"/>
+          </p:cNvPicPr>
+          <p:nvPr/>
+        </p:nvPicPr>
+        <p:blipFill>
+          <a:blip r:embed="rId2">
+            <a:extLst>
+              <a:ext uri="{28A0092B-C50C-407E-A947-70E740481C1C}">
+                <a14:useLocalDpi xmlns:a14="http://schemas.microsoft.com/office/drawing/2010/main" val="0"/>
+              </a:ext>
+            </a:extLst>
+          </a:blip>
+          <a:stretch>
+            <a:fillRect/>
+          </a:stretch>
+        </p:blipFill>
+        <p:spPr>
+          <a:xfrm>
+            <a:off x="2424751" y="1826630"/>
+            <a:ext cx="2871166" cy="3429000"/>
+          </a:xfrm>
+          <a:prstGeom prst="rect">
+            <a:avLst/>
+          </a:prstGeom>
+        </p:spPr>
+      </p:pic>
+    </p:spTree>
+    <p:extLst>
+      <p:ext uri="{BB962C8B-B14F-4D97-AF65-F5344CB8AC3E}">
+        <p14:creationId xmlns:p14="http://schemas.microsoft.com/office/powerpoint/2010/main" val="3971902416"/>
+      </p:ext>
+    </p:extLst>
+  </p:cSld>
+  <p:clrMapOvr>
+    <a:masterClrMapping/>
+  </p:clrMapOvr>
+</p:sld>
+</file>
+
+<file path=ppt/slides/slide13.xml><?xml version="1.0" encoding="utf-8"?>
+<p:sld xmlns:a="http://schemas.openxmlformats.org/drawingml/2006/main" xmlns:r="http://schemas.openxmlformats.org/officeDocument/2006/relationships" xmlns:p="http://schemas.openxmlformats.org/presentationml/2006/main">
+  <p:cSld>
+    <p:spTree>
+      <p:nvGrpSpPr>
+        <p:cNvPr id="1" name=""/>
+        <p:cNvGrpSpPr/>
+        <p:nvPr/>
+      </p:nvGrpSpPr>
+      <p:grpSpPr>
+        <a:xfrm>
+          <a:off x="0" y="0"/>
+          <a:ext cx="0" cy="0"/>
+          <a:chOff x="0" y="0"/>
+          <a:chExt cx="0" cy="0"/>
+        </a:xfrm>
+      </p:grpSpPr>
+      <p:sp>
+        <p:nvSpPr>
+          <p:cNvPr id="2" name="Title 1">
+            <a:extLst>
+              <a:ext uri="{FF2B5EF4-FFF2-40B4-BE49-F238E27FC236}">
+                <a16:creationId xmlns:a16="http://schemas.microsoft.com/office/drawing/2014/main" id="{586CBE5C-8BE4-4E0A-BC27-BCA5A8AA53FF}"/>
+              </a:ext>
+            </a:extLst>
+          </p:cNvPr>
+          <p:cNvSpPr>
+            <a:spLocks noGrp="1"/>
+          </p:cNvSpPr>
+          <p:nvPr>
+            <p:ph type="title"/>
+          </p:nvPr>
+        </p:nvSpPr>
+        <p:spPr/>
+        <p:txBody>
+          <a:bodyPr/>
+          <a:lstStyle/>
+          <a:p>
+            <a:r>
+              <a:rPr lang="en-US" dirty="0"/>
+              <a:t>Data visualization history</a:t>
+            </a:r>
+          </a:p>
+        </p:txBody>
+      </p:sp>
+      <p:sp>
+        <p:nvSpPr>
+          <p:cNvPr id="3" name="Content Placeholder 2">
+            <a:extLst>
+              <a:ext uri="{FF2B5EF4-FFF2-40B4-BE49-F238E27FC236}">
+                <a16:creationId xmlns:a16="http://schemas.microsoft.com/office/drawing/2014/main" id="{626874F4-013F-4E8E-B349-F4A2DB22EC74}"/>
+              </a:ext>
+            </a:extLst>
+          </p:cNvPr>
+          <p:cNvSpPr>
+            <a:spLocks noGrp="1"/>
+          </p:cNvSpPr>
+          <p:nvPr>
+            <p:ph idx="1"/>
+          </p:nvPr>
+        </p:nvSpPr>
+        <p:spPr>
+          <a:xfrm>
+            <a:off x="6096000" y="1825625"/>
+            <a:ext cx="5257800" cy="4351338"/>
+          </a:xfrm>
+        </p:spPr>
+        <p:txBody>
+          <a:bodyPr>
+            <a:normAutofit fontScale="70000" lnSpcReduction="20000"/>
+          </a:bodyPr>
+          <a:lstStyle/>
+          <a:p>
+            <a:r>
+              <a:rPr lang="en-US" dirty="0"/>
+              <a:t>The earliest visualization arose in geometric diagrams of celestial bodies and maps.</a:t>
+            </a:r>
+          </a:p>
+          <a:p>
+            <a:r>
+              <a:rPr lang="en-US" dirty="0"/>
+              <a:t>Descartes invented the graph in 17</a:t>
+            </a:r>
+            <a:r>
+              <a:rPr lang="en-US" baseline="30000" dirty="0"/>
+              <a:t>th</a:t>
+            </a:r>
+            <a:r>
+              <a:rPr lang="en-US" dirty="0"/>
+              <a:t> century.</a:t>
+            </a:r>
+          </a:p>
+          <a:p>
+            <a:r>
+              <a:rPr lang="en-US" dirty="0"/>
+              <a:t>Early beginnings of statistical theory and data collection in 18</a:t>
+            </a:r>
+            <a:r>
+              <a:rPr lang="en-US" baseline="30000" dirty="0"/>
+              <a:t>th</a:t>
+            </a:r>
+            <a:r>
+              <a:rPr lang="en-US" dirty="0"/>
+              <a:t> century</a:t>
+            </a:r>
+          </a:p>
+          <a:p>
+            <a:r>
+              <a:rPr lang="en-US" dirty="0"/>
+              <a:t>Rapid growth in statistical graphics. bar and pie charts, histograms, line graphs, contour plots, scatter plots were invented in 19</a:t>
+            </a:r>
+            <a:r>
+              <a:rPr lang="en-US" baseline="30000" dirty="0"/>
+              <a:t>th</a:t>
+            </a:r>
+            <a:r>
+              <a:rPr lang="en-US" dirty="0"/>
+              <a:t> century.</a:t>
+            </a:r>
+          </a:p>
+          <a:p>
+            <a:r>
+              <a:rPr lang="en-US" dirty="0"/>
+              <a:t>In 1950 John W. Tukey published The Future of Data Analysis</a:t>
+            </a:r>
+          </a:p>
+          <a:p>
+            <a:r>
+              <a:rPr lang="en-US" dirty="0"/>
+              <a:t>In 1960, the possibility to construct new graphics with computers</a:t>
+            </a:r>
+          </a:p>
+          <a:p>
+            <a:r>
+              <a:rPr lang="en-US" b="1" dirty="0"/>
+              <a:t>Presently, we have high-dimensional data to visualize. Challenging to have dynamic and interactive visualizations</a:t>
+            </a:r>
+          </a:p>
+          <a:p>
+            <a:endParaRPr lang="en-US" dirty="0"/>
+          </a:p>
+          <a:p>
+            <a:endParaRPr lang="en-US" dirty="0"/>
+          </a:p>
+          <a:p>
+            <a:endParaRPr lang="en-US" dirty="0"/>
+          </a:p>
+          <a:p>
+            <a:endParaRPr lang="en-US" dirty="0"/>
+          </a:p>
+          <a:p>
+            <a:endParaRPr lang="en-US" dirty="0"/>
+          </a:p>
+          <a:p>
+            <a:endParaRPr lang="en-US" dirty="0"/>
+          </a:p>
+        </p:txBody>
+      </p:sp>
+      <p:sp>
+        <p:nvSpPr>
+          <p:cNvPr id="7" name="TextBox 6">
+            <a:extLst>
+              <a:ext uri="{FF2B5EF4-FFF2-40B4-BE49-F238E27FC236}">
+                <a16:creationId xmlns:a16="http://schemas.microsoft.com/office/drawing/2014/main" id="{F340A6C1-62E1-4878-B988-5E3E115FE676}"/>
+              </a:ext>
+            </a:extLst>
+          </p:cNvPr>
+          <p:cNvSpPr txBox="1"/>
+          <p:nvPr/>
+        </p:nvSpPr>
+        <p:spPr>
+          <a:xfrm>
+            <a:off x="1624668" y="5255630"/>
+            <a:ext cx="4471332" cy="430887"/>
+          </a:xfrm>
+          <a:prstGeom prst="rect">
+            <a:avLst/>
+          </a:prstGeom>
+          <a:noFill/>
+        </p:spPr>
+        <p:txBody>
+          <a:bodyPr wrap="square" rtlCol="0">
+            <a:spAutoFit/>
+          </a:bodyPr>
+          <a:lstStyle/>
+          <a:p>
+            <a:r>
+              <a:rPr lang="en-US" sz="1100" dirty="0"/>
+              <a:t>High dimensional RNA-seq data</a:t>
+            </a:r>
+            <a:br>
+              <a:rPr lang="en-US" sz="1100" dirty="0"/>
+            </a:br>
+            <a:r>
+              <a:rPr lang="en-US" sz="1100" dirty="0"/>
+              <a:t>Ref: https://en.wikipedia.org/wiki/Fortran</a:t>
+            </a:r>
+          </a:p>
+        </p:txBody>
+      </p:sp>
+    </p:spTree>
+    <p:extLst>
+      <p:ext uri="{BB962C8B-B14F-4D97-AF65-F5344CB8AC3E}">
+        <p14:creationId xmlns:p14="http://schemas.microsoft.com/office/powerpoint/2010/main" val="692504643"/>
+      </p:ext>
+    </p:extLst>
+  </p:cSld>
+  <p:clrMapOvr>
+    <a:masterClrMapping/>
+  </p:clrMapOvr>
+</p:sld>
+</file>
+
+<file path=ppt/slides/slide14.xml><?xml version="1.0" encoding="utf-8"?>
+<p:sld xmlns:a="http://schemas.openxmlformats.org/drawingml/2006/main" xmlns:r="http://schemas.openxmlformats.org/officeDocument/2006/relationships" xmlns:p="http://schemas.openxmlformats.org/presentationml/2006/main">
+  <p:cSld>
+    <p:spTree>
+      <p:nvGrpSpPr>
+        <p:cNvPr id="1" name=""/>
+        <p:cNvGrpSpPr/>
+        <p:nvPr/>
+      </p:nvGrpSpPr>
+      <p:grpSpPr>
+        <a:xfrm>
+          <a:off x="0" y="0"/>
+          <a:ext cx="0" cy="0"/>
+          <a:chOff x="0" y="0"/>
+          <a:chExt cx="0" cy="0"/>
+        </a:xfrm>
+      </p:grpSpPr>
+      <p:sp>
+        <p:nvSpPr>
+          <p:cNvPr id="2" name="Title 1">
+            <a:extLst>
+              <a:ext uri="{FF2B5EF4-FFF2-40B4-BE49-F238E27FC236}">
+                <a16:creationId xmlns:a16="http://schemas.microsoft.com/office/drawing/2014/main" id="{45E43B97-1371-4942-AEA2-7D095B695916}"/>
+              </a:ext>
+            </a:extLst>
+          </p:cNvPr>
+          <p:cNvSpPr>
+            <a:spLocks noGrp="1"/>
+          </p:cNvSpPr>
+          <p:nvPr>
+            <p:ph type="title"/>
+          </p:nvPr>
+        </p:nvSpPr>
+        <p:spPr/>
+        <p:txBody>
+          <a:bodyPr/>
+          <a:lstStyle/>
+          <a:p>
+            <a:r>
+              <a:rPr lang="en-US" dirty="0" err="1"/>
+              <a:t>MetaOmGraph</a:t>
+            </a:r>
+            <a:endParaRPr lang="en-US" dirty="0"/>
+          </a:p>
+        </p:txBody>
+      </p:sp>
+      <p:sp>
+        <p:nvSpPr>
+          <p:cNvPr id="3" name="Content Placeholder 2">
+            <a:extLst>
+              <a:ext uri="{FF2B5EF4-FFF2-40B4-BE49-F238E27FC236}">
+                <a16:creationId xmlns:a16="http://schemas.microsoft.com/office/drawing/2014/main" id="{6FBD5565-80D5-4796-894C-5A28797252DD}"/>
+              </a:ext>
+            </a:extLst>
+          </p:cNvPr>
+          <p:cNvSpPr>
+            <a:spLocks noGrp="1"/>
+          </p:cNvSpPr>
+          <p:nvPr>
+            <p:ph idx="1"/>
+          </p:nvPr>
+        </p:nvSpPr>
+        <p:spPr/>
+        <p:txBody>
+          <a:bodyPr/>
+          <a:lstStyle/>
+          <a:p>
+            <a:r>
+              <a:rPr lang="en-US" dirty="0" err="1"/>
+              <a:t>MetaOmGraph</a:t>
+            </a:r>
+            <a:r>
+              <a:rPr lang="en-US" dirty="0"/>
+              <a:t> (MOG)  is a software for statistical analysis and interactive exploration of big datasets</a:t>
+            </a:r>
+          </a:p>
+          <a:p>
+            <a:r>
+              <a:rPr lang="en-US" dirty="0"/>
+              <a:t>MOG is free and open source and written in java</a:t>
+            </a:r>
+          </a:p>
+          <a:p>
+            <a:r>
+              <a:rPr lang="en-US" dirty="0"/>
+              <a:t>MOG can run on windows, mac and </a:t>
+            </a:r>
+            <a:r>
+              <a:rPr lang="en-US" dirty="0" err="1"/>
+              <a:t>unix</a:t>
+            </a:r>
+            <a:r>
+              <a:rPr lang="en-US" dirty="0"/>
+              <a:t> based machines</a:t>
+            </a:r>
+          </a:p>
+          <a:p>
+            <a:r>
+              <a:rPr lang="en-US" dirty="0"/>
+              <a:t>MOG is designed for meta-analysis of multiple RNA-seq datasets, but can be used with other datasets as well.</a:t>
+            </a:r>
+          </a:p>
+          <a:p>
+            <a:r>
+              <a:rPr lang="en-US" dirty="0"/>
+              <a:t>MOG is around 65,000 lines of code</a:t>
+            </a:r>
+          </a:p>
+          <a:p>
+            <a:pPr marL="0" indent="0">
+              <a:buNone/>
+            </a:pPr>
+            <a:endParaRPr lang="en-US" dirty="0"/>
+          </a:p>
+        </p:txBody>
+      </p:sp>
+    </p:spTree>
+    <p:extLst>
+      <p:ext uri="{BB962C8B-B14F-4D97-AF65-F5344CB8AC3E}">
+        <p14:creationId xmlns:p14="http://schemas.microsoft.com/office/powerpoint/2010/main" val="3760406835"/>
+      </p:ext>
+    </p:extLst>
+  </p:cSld>
+  <p:clrMapOvr>
+    <a:masterClrMapping/>
+  </p:clrMapOvr>
+</p:sld>
+</file>
+
+<file path=ppt/slides/slide15.xml><?xml version="1.0" encoding="utf-8"?>
+<p:sld xmlns:a="http://schemas.openxmlformats.org/drawingml/2006/main" xmlns:r="http://schemas.openxmlformats.org/officeDocument/2006/relationships" xmlns:p="http://schemas.openxmlformats.org/presentationml/2006/main">
+  <p:cSld>
+    <p:spTree>
+      <p:nvGrpSpPr>
+        <p:cNvPr id="1" name=""/>
+        <p:cNvGrpSpPr/>
+        <p:nvPr/>
+      </p:nvGrpSpPr>
+      <p:grpSpPr>
+        <a:xfrm>
+          <a:off x="0" y="0"/>
+          <a:ext cx="0" cy="0"/>
+          <a:chOff x="0" y="0"/>
+          <a:chExt cx="0" cy="0"/>
+        </a:xfrm>
+      </p:grpSpPr>
+      <p:sp>
+        <p:nvSpPr>
+          <p:cNvPr id="2" name="Title 1">
+            <a:extLst>
+              <a:ext uri="{FF2B5EF4-FFF2-40B4-BE49-F238E27FC236}">
+                <a16:creationId xmlns:a16="http://schemas.microsoft.com/office/drawing/2014/main" id="{1F0CC2FC-D35F-4219-835D-30DBEF8ED207}"/>
+              </a:ext>
+            </a:extLst>
+          </p:cNvPr>
+          <p:cNvSpPr>
+            <a:spLocks noGrp="1"/>
+          </p:cNvSpPr>
+          <p:nvPr>
+            <p:ph type="title"/>
+          </p:nvPr>
+        </p:nvSpPr>
+        <p:spPr/>
+        <p:txBody>
+          <a:bodyPr/>
+          <a:lstStyle/>
+          <a:p>
+            <a:r>
+              <a:rPr lang="en-US" dirty="0" err="1"/>
+              <a:t>MetaOmGraph</a:t>
+            </a:r>
+            <a:r>
+              <a:rPr lang="en-US" dirty="0"/>
+              <a:t> for analysis of RNA-seq</a:t>
+            </a:r>
+          </a:p>
+        </p:txBody>
+      </p:sp>
+      <p:sp>
+        <p:nvSpPr>
+          <p:cNvPr id="3" name="Content Placeholder 2">
+            <a:extLst>
+              <a:ext uri="{FF2B5EF4-FFF2-40B4-BE49-F238E27FC236}">
+                <a16:creationId xmlns:a16="http://schemas.microsoft.com/office/drawing/2014/main" id="{7D4BC822-5173-4C91-AA01-278B7064CD49}"/>
+              </a:ext>
+            </a:extLst>
+          </p:cNvPr>
+          <p:cNvSpPr>
+            <a:spLocks noGrp="1"/>
+          </p:cNvSpPr>
+          <p:nvPr>
+            <p:ph idx="1"/>
+          </p:nvPr>
+        </p:nvSpPr>
+        <p:spPr/>
+        <p:txBody>
+          <a:bodyPr/>
+          <a:lstStyle/>
+          <a:p>
+            <a:r>
+              <a:rPr lang="en-US" dirty="0"/>
+              <a:t>User can interactively visualize expression levels of hundreds of genes/transcripts</a:t>
+            </a:r>
+          </a:p>
+          <a:p>
+            <a:r>
+              <a:rPr lang="en-US" dirty="0"/>
+              <a:t>User can explore and analyze expression levels of hundreds of genes/transcripts under specific conditions</a:t>
+            </a:r>
+          </a:p>
+          <a:p>
+            <a:r>
+              <a:rPr lang="en-US" dirty="0"/>
+              <a:t>User can find association between genes /transcripts using</a:t>
+            </a:r>
+          </a:p>
+          <a:p>
+            <a:pPr lvl="1"/>
+            <a:r>
+              <a:rPr lang="en-US" dirty="0"/>
+              <a:t>Pearson correlation</a:t>
+            </a:r>
+          </a:p>
+          <a:p>
+            <a:pPr lvl="1"/>
+            <a:r>
+              <a:rPr lang="en-US" dirty="0"/>
+              <a:t>Spearman correlation</a:t>
+            </a:r>
+          </a:p>
+          <a:p>
+            <a:pPr lvl="1"/>
+            <a:r>
+              <a:rPr lang="en-US" dirty="0"/>
+              <a:t>Mutual information</a:t>
+            </a:r>
+          </a:p>
+          <a:p>
+            <a:r>
+              <a:rPr lang="en-US" dirty="0"/>
+              <a:t>User can make statistical inference about associated genes/transcripts</a:t>
+            </a:r>
+          </a:p>
+        </p:txBody>
+      </p:sp>
+    </p:spTree>
+    <p:extLst>
+      <p:ext uri="{BB962C8B-B14F-4D97-AF65-F5344CB8AC3E}">
+        <p14:creationId xmlns:p14="http://schemas.microsoft.com/office/powerpoint/2010/main" val="4109012174"/>
+      </p:ext>
+    </p:extLst>
+  </p:cSld>
+  <p:clrMapOvr>
+    <a:masterClrMapping/>
+  </p:clrMapOvr>
+</p:sld>
+</file>
+
+<file path=ppt/slides/slide16.xml><?xml version="1.0" encoding="utf-8"?>
+<p:sld xmlns:a="http://schemas.openxmlformats.org/drawingml/2006/main" xmlns:r="http://schemas.openxmlformats.org/officeDocument/2006/relationships" xmlns:p="http://schemas.openxmlformats.org/presentationml/2006/main">
+  <p:cSld>
+    <p:spTree>
+      <p:nvGrpSpPr>
+        <p:cNvPr id="1" name=""/>
+        <p:cNvGrpSpPr/>
+        <p:nvPr/>
+      </p:nvGrpSpPr>
+      <p:grpSpPr>
+        <a:xfrm>
+          <a:off x="0" y="0"/>
+          <a:ext cx="0" cy="0"/>
+          <a:chOff x="0" y="0"/>
+          <a:chExt cx="0" cy="0"/>
+        </a:xfrm>
+      </p:grpSpPr>
+      <p:sp>
+        <p:nvSpPr>
+          <p:cNvPr id="2" name="Title 1">
+            <a:extLst>
+              <a:ext uri="{FF2B5EF4-FFF2-40B4-BE49-F238E27FC236}">
+                <a16:creationId xmlns:a16="http://schemas.microsoft.com/office/drawing/2014/main" id="{B6234481-4F1D-47C9-BA00-4BBE9CC1166B}"/>
+              </a:ext>
+            </a:extLst>
+          </p:cNvPr>
+          <p:cNvSpPr>
+            <a:spLocks noGrp="1"/>
+          </p:cNvSpPr>
+          <p:nvPr>
+            <p:ph type="title"/>
+          </p:nvPr>
+        </p:nvSpPr>
+        <p:spPr/>
+        <p:txBody>
+          <a:bodyPr/>
+          <a:lstStyle/>
+          <a:p>
+            <a:r>
+              <a:rPr lang="en-US" dirty="0"/>
+              <a:t>Finding associations in data</a:t>
+            </a:r>
+          </a:p>
+        </p:txBody>
+      </p:sp>
+      <p:sp>
+        <p:nvSpPr>
+          <p:cNvPr id="3" name="Content Placeholder 2">
+            <a:extLst>
+              <a:ext uri="{FF2B5EF4-FFF2-40B4-BE49-F238E27FC236}">
+                <a16:creationId xmlns:a16="http://schemas.microsoft.com/office/drawing/2014/main" id="{C1BD42C7-0238-48A7-BA98-717E351B4BDE}"/>
+              </a:ext>
+            </a:extLst>
+          </p:cNvPr>
+          <p:cNvSpPr>
+            <a:spLocks noGrp="1"/>
+          </p:cNvSpPr>
+          <p:nvPr>
+            <p:ph idx="1"/>
+          </p:nvPr>
+        </p:nvSpPr>
+        <p:spPr/>
+        <p:txBody>
+          <a:bodyPr/>
+          <a:lstStyle/>
+          <a:p>
+            <a:r>
+              <a:rPr lang="en-US" dirty="0"/>
+              <a:t>Association tells how two variables are related</a:t>
+            </a:r>
+          </a:p>
+          <a:p>
+            <a:r>
+              <a:rPr lang="en-US" dirty="0"/>
+              <a:t>An association measure quantifies this “relatedness”</a:t>
+            </a:r>
+          </a:p>
+          <a:p>
+            <a:r>
+              <a:rPr lang="en-US" dirty="0"/>
+              <a:t>Association is not causation</a:t>
+            </a:r>
+          </a:p>
+          <a:p>
+            <a:endParaRPr lang="en-US" dirty="0"/>
+          </a:p>
+        </p:txBody>
+      </p:sp>
+    </p:spTree>
+    <p:extLst>
+      <p:ext uri="{BB962C8B-B14F-4D97-AF65-F5344CB8AC3E}">
+        <p14:creationId xmlns:p14="http://schemas.microsoft.com/office/powerpoint/2010/main" val="2474416943"/>
+      </p:ext>
+    </p:extLst>
+  </p:cSld>
+  <p:clrMapOvr>
+    <a:masterClrMapping/>
+  </p:clrMapOvr>
+</p:sld>
+</file>
+
+<file path=ppt/slides/slide17.xml><?xml version="1.0" encoding="utf-8"?>
+<p:sld xmlns:a="http://schemas.openxmlformats.org/drawingml/2006/main" xmlns:r="http://schemas.openxmlformats.org/officeDocument/2006/relationships" xmlns:p="http://schemas.openxmlformats.org/presentationml/2006/main">
+  <p:cSld>
+    <p:spTree>
+      <p:nvGrpSpPr>
+        <p:cNvPr id="1" name=""/>
+        <p:cNvGrpSpPr/>
+        <p:nvPr/>
+      </p:nvGrpSpPr>
+      <p:grpSpPr>
+        <a:xfrm>
+          <a:off x="0" y="0"/>
+          <a:ext cx="0" cy="0"/>
+          <a:chOff x="0" y="0"/>
+          <a:chExt cx="0" cy="0"/>
+        </a:xfrm>
+      </p:grpSpPr>
+      <p:sp>
+        <p:nvSpPr>
+          <p:cNvPr id="2" name="Title 1">
+            <a:extLst>
+              <a:ext uri="{FF2B5EF4-FFF2-40B4-BE49-F238E27FC236}">
+                <a16:creationId xmlns:a16="http://schemas.microsoft.com/office/drawing/2014/main" id="{D349874F-7FDA-4E78-9958-87758C113996}"/>
+              </a:ext>
+            </a:extLst>
+          </p:cNvPr>
+          <p:cNvSpPr>
+            <a:spLocks noGrp="1"/>
+          </p:cNvSpPr>
+          <p:nvPr>
+            <p:ph type="title"/>
+          </p:nvPr>
+        </p:nvSpPr>
+        <p:spPr/>
+        <p:txBody>
+          <a:bodyPr/>
+          <a:lstStyle/>
+          <a:p>
+            <a:r>
+              <a:rPr lang="en-US" dirty="0"/>
+              <a:t>Pearson correlation coefficient</a:t>
+            </a:r>
+          </a:p>
+        </p:txBody>
+      </p:sp>
+      <p:sp>
+        <p:nvSpPr>
+          <p:cNvPr id="3" name="Content Placeholder 2">
+            <a:extLst>
+              <a:ext uri="{FF2B5EF4-FFF2-40B4-BE49-F238E27FC236}">
+                <a16:creationId xmlns:a16="http://schemas.microsoft.com/office/drawing/2014/main" id="{DA280F2E-1232-4830-8F66-2FBD605FA5AA}"/>
+              </a:ext>
+            </a:extLst>
+          </p:cNvPr>
+          <p:cNvSpPr>
+            <a:spLocks noGrp="1"/>
+          </p:cNvSpPr>
+          <p:nvPr>
+            <p:ph idx="1"/>
+          </p:nvPr>
+        </p:nvSpPr>
+        <p:spPr>
+          <a:xfrm>
+            <a:off x="838199" y="1825625"/>
+            <a:ext cx="10790339" cy="4351338"/>
+          </a:xfrm>
+        </p:spPr>
+        <p:txBody>
+          <a:bodyPr>
+            <a:normAutofit/>
+          </a:bodyPr>
+          <a:lstStyle/>
+          <a:p>
+            <a:r>
+              <a:rPr lang="en-US" dirty="0"/>
+              <a:t>Pearson correlation coefficient, </a:t>
+            </a:r>
+            <a:r>
+              <a:rPr lang="en-US" i="1" dirty="0"/>
+              <a:t>r, </a:t>
+            </a:r>
+            <a:br>
+              <a:rPr lang="en-US" i="1" dirty="0"/>
+            </a:br>
+            <a:r>
+              <a:rPr lang="en-US" dirty="0"/>
+              <a:t>between two variables X and Y is a </a:t>
+            </a:r>
+            <a:br>
+              <a:rPr lang="en-US" dirty="0"/>
+            </a:br>
+            <a:r>
+              <a:rPr lang="en-US" dirty="0"/>
+              <a:t>measure of the linear correlation </a:t>
+            </a:r>
+            <a:br>
+              <a:rPr lang="en-US" dirty="0"/>
+            </a:br>
+            <a:r>
+              <a:rPr lang="en-US" dirty="0"/>
+              <a:t>between X and Y.</a:t>
+            </a:r>
+          </a:p>
+          <a:p>
+            <a:r>
+              <a:rPr lang="en-US" i="1" dirty="0"/>
+              <a:t>r</a:t>
+            </a:r>
+            <a:r>
+              <a:rPr lang="en-US" dirty="0"/>
+              <a:t> can have a value between [-1,1] </a:t>
+            </a:r>
+            <a:br>
+              <a:rPr lang="en-US" dirty="0"/>
+            </a:br>
+            <a:r>
+              <a:rPr lang="en-US" dirty="0"/>
+              <a:t>where</a:t>
+            </a:r>
+          </a:p>
+          <a:p>
+            <a:pPr lvl="1"/>
+            <a:r>
+              <a:rPr lang="en-US" dirty="0"/>
+              <a:t> 1 implies total positive linear correlation </a:t>
+            </a:r>
+          </a:p>
+          <a:p>
+            <a:pPr lvl="1"/>
+            <a:r>
+              <a:rPr lang="en-US" dirty="0"/>
+              <a:t>0 is no linear correlation</a:t>
+            </a:r>
+          </a:p>
+          <a:p>
+            <a:pPr lvl="1"/>
+            <a:r>
+              <a:rPr lang="en-US" dirty="0"/>
+              <a:t>−1 is total negative linear correlation</a:t>
+            </a:r>
+          </a:p>
+          <a:p>
+            <a:endParaRPr lang="en-US" dirty="0"/>
+          </a:p>
+        </p:txBody>
+      </p:sp>
+      <p:pic>
+        <p:nvPicPr>
+          <p:cNvPr id="5" name="Picture 4">
+            <a:extLst>
+              <a:ext uri="{FF2B5EF4-FFF2-40B4-BE49-F238E27FC236}">
+                <a16:creationId xmlns:a16="http://schemas.microsoft.com/office/drawing/2014/main" id="{4234F8EA-A3C5-47C6-81B0-FB53442995A1}"/>
+              </a:ext>
+            </a:extLst>
+          </p:cNvPr>
+          <p:cNvPicPr>
+            <a:picLocks noChangeAspect="1"/>
+          </p:cNvPicPr>
+          <p:nvPr/>
+        </p:nvPicPr>
+        <p:blipFill rotWithShape="1">
+          <a:blip r:embed="rId2"/>
+          <a:srcRect l="21537" t="25722" r="38830" b="36884"/>
+          <a:stretch/>
+        </p:blipFill>
+        <p:spPr>
+          <a:xfrm>
+            <a:off x="6370739" y="1690688"/>
+            <a:ext cx="5257800" cy="2687124"/>
+          </a:xfrm>
+          <a:prstGeom prst="rect">
+            <a:avLst/>
+          </a:prstGeom>
+        </p:spPr>
+      </p:pic>
+    </p:spTree>
+    <p:extLst>
+      <p:ext uri="{BB962C8B-B14F-4D97-AF65-F5344CB8AC3E}">
+        <p14:creationId xmlns:p14="http://schemas.microsoft.com/office/powerpoint/2010/main" val="3218683610"/>
+      </p:ext>
+    </p:extLst>
+  </p:cSld>
+  <p:clrMapOvr>
+    <a:masterClrMapping/>
+  </p:clrMapOvr>
+</p:sld>
+</file>
+
+<file path=ppt/slides/slide18.xml><?xml version="1.0" encoding="utf-8"?>
+<p:sld xmlns:a="http://schemas.openxmlformats.org/drawingml/2006/main" xmlns:r="http://schemas.openxmlformats.org/officeDocument/2006/relationships" xmlns:p="http://schemas.openxmlformats.org/presentationml/2006/main">
+  <p:cSld>
+    <p:spTree>
+      <p:nvGrpSpPr>
+        <p:cNvPr id="1" name=""/>
+        <p:cNvGrpSpPr/>
+        <p:nvPr/>
+      </p:nvGrpSpPr>
+      <p:grpSpPr>
+        <a:xfrm>
+          <a:off x="0" y="0"/>
+          <a:ext cx="0" cy="0"/>
+          <a:chOff x="0" y="0"/>
+          <a:chExt cx="0" cy="0"/>
+        </a:xfrm>
+      </p:grpSpPr>
+      <p:sp>
+        <p:nvSpPr>
+          <p:cNvPr id="2" name="Title 1">
+            <a:extLst>
+              <a:ext uri="{FF2B5EF4-FFF2-40B4-BE49-F238E27FC236}">
+                <a16:creationId xmlns:a16="http://schemas.microsoft.com/office/drawing/2014/main" id="{666BAD44-594B-419F-9501-6A4B2BBEA3B6}"/>
+              </a:ext>
+            </a:extLst>
+          </p:cNvPr>
+          <p:cNvSpPr>
+            <a:spLocks noGrp="1"/>
+          </p:cNvSpPr>
+          <p:nvPr>
+            <p:ph type="title"/>
+          </p:nvPr>
+        </p:nvSpPr>
+        <p:spPr/>
+        <p:txBody>
+          <a:bodyPr/>
+          <a:lstStyle/>
+          <a:p>
+            <a:r>
+              <a:rPr lang="en-US" dirty="0"/>
+              <a:t>Pearson correlation coefficient</a:t>
+            </a:r>
+          </a:p>
+        </p:txBody>
+      </p:sp>
+      <p:pic>
+        <p:nvPicPr>
+          <p:cNvPr id="5" name="Content Placeholder 4">
+            <a:extLst>
+              <a:ext uri="{FF2B5EF4-FFF2-40B4-BE49-F238E27FC236}">
+                <a16:creationId xmlns:a16="http://schemas.microsoft.com/office/drawing/2014/main" id="{6FA3CF2B-A41F-49DB-862D-D53D95D36BC9}"/>
+              </a:ext>
+            </a:extLst>
+          </p:cNvPr>
+          <p:cNvPicPr>
+            <a:picLocks noGrp="1" noChangeAspect="1"/>
+          </p:cNvPicPr>
+          <p:nvPr>
+            <p:ph idx="1"/>
+          </p:nvPr>
+        </p:nvPicPr>
+        <p:blipFill>
+          <a:blip r:embed="rId2">
+            <a:extLst>
+              <a:ext uri="{28A0092B-C50C-407E-A947-70E740481C1C}">
+                <a14:useLocalDpi xmlns:a14="http://schemas.microsoft.com/office/drawing/2010/main" val="0"/>
+              </a:ext>
+            </a:extLst>
+          </a:blip>
+          <a:stretch>
+            <a:fillRect/>
+          </a:stretch>
+        </p:blipFill>
+        <p:spPr>
+          <a:xfrm>
+            <a:off x="2155166" y="1573955"/>
+            <a:ext cx="7881668" cy="4351338"/>
+          </a:xfrm>
+        </p:spPr>
+      </p:pic>
+      <p:sp>
+        <p:nvSpPr>
+          <p:cNvPr id="6" name="TextBox 5">
+            <a:extLst>
+              <a:ext uri="{FF2B5EF4-FFF2-40B4-BE49-F238E27FC236}">
+                <a16:creationId xmlns:a16="http://schemas.microsoft.com/office/drawing/2014/main" id="{FF2C9928-222F-4482-A424-765E2B68D62A}"/>
+              </a:ext>
+            </a:extLst>
+          </p:cNvPr>
+          <p:cNvSpPr txBox="1"/>
+          <p:nvPr/>
+        </p:nvSpPr>
+        <p:spPr>
+          <a:xfrm>
+            <a:off x="2155166" y="5925293"/>
+            <a:ext cx="7881668" cy="523220"/>
+          </a:xfrm>
+          <a:prstGeom prst="rect">
+            <a:avLst/>
+          </a:prstGeom>
+          <a:noFill/>
+        </p:spPr>
+        <p:txBody>
+          <a:bodyPr wrap="square" rtlCol="0">
+            <a:spAutoFit/>
+          </a:bodyPr>
+          <a:lstStyle/>
+          <a:p>
+            <a:r>
+              <a:rPr lang="en-US" sz="1400" b="1" dirty="0"/>
+              <a:t>Examples of scatter diagrams with different values of Pearson correlation coefficient (ρ)</a:t>
+            </a:r>
+            <a:br>
+              <a:rPr lang="en-US" sz="1400" dirty="0"/>
+            </a:br>
+            <a:r>
+              <a:rPr lang="en-US" sz="1400" dirty="0"/>
+              <a:t>Ref: https://en.wikipedia.org/wiki/Pearson_correlation_coefficient</a:t>
+            </a:r>
+          </a:p>
+        </p:txBody>
+      </p:sp>
+    </p:spTree>
+    <p:extLst>
+      <p:ext uri="{BB962C8B-B14F-4D97-AF65-F5344CB8AC3E}">
+        <p14:creationId xmlns:p14="http://schemas.microsoft.com/office/powerpoint/2010/main" val="2824730782"/>
+      </p:ext>
+    </p:extLst>
+  </p:cSld>
+  <p:clrMapOvr>
+    <a:masterClrMapping/>
+  </p:clrMapOvr>
+</p:sld>
+</file>
+
+<file path=ppt/slides/slide19.xml><?xml version="1.0" encoding="utf-8"?>
+<p:sld xmlns:a="http://schemas.openxmlformats.org/drawingml/2006/main" xmlns:r="http://schemas.openxmlformats.org/officeDocument/2006/relationships" xmlns:p="http://schemas.openxmlformats.org/presentationml/2006/main">
+  <p:cSld>
+    <p:spTree>
+      <p:nvGrpSpPr>
+        <p:cNvPr id="1" name=""/>
+        <p:cNvGrpSpPr/>
+        <p:nvPr/>
+      </p:nvGrpSpPr>
+      <p:grpSpPr>
+        <a:xfrm>
+          <a:off x="0" y="0"/>
+          <a:ext cx="0" cy="0"/>
+          <a:chOff x="0" y="0"/>
+          <a:chExt cx="0" cy="0"/>
+        </a:xfrm>
+      </p:grpSpPr>
+      <p:sp>
+        <p:nvSpPr>
+          <p:cNvPr id="2" name="Title 1">
+            <a:extLst>
+              <a:ext uri="{FF2B5EF4-FFF2-40B4-BE49-F238E27FC236}">
+                <a16:creationId xmlns:a16="http://schemas.microsoft.com/office/drawing/2014/main" id="{7E26CD9E-B75E-458C-AB43-7ADC0D67FC4C}"/>
+              </a:ext>
+            </a:extLst>
+          </p:cNvPr>
+          <p:cNvSpPr>
+            <a:spLocks noGrp="1"/>
+          </p:cNvSpPr>
+          <p:nvPr>
+            <p:ph type="title"/>
+          </p:nvPr>
+        </p:nvSpPr>
+        <p:spPr/>
+        <p:txBody>
+          <a:bodyPr/>
+          <a:lstStyle/>
+          <a:p>
+            <a:r>
+              <a:rPr lang="en-US" dirty="0"/>
+              <a:t>Spearman’s correlation</a:t>
+            </a:r>
+          </a:p>
+        </p:txBody>
+      </p:sp>
+      <p:sp>
+        <p:nvSpPr>
+          <p:cNvPr id="3" name="Content Placeholder 2">
+            <a:extLst>
+              <a:ext uri="{FF2B5EF4-FFF2-40B4-BE49-F238E27FC236}">
+                <a16:creationId xmlns:a16="http://schemas.microsoft.com/office/drawing/2014/main" id="{1EE479AF-AB19-4F86-8FC0-178135E16A7C}"/>
+              </a:ext>
+            </a:extLst>
+          </p:cNvPr>
+          <p:cNvSpPr>
+            <a:spLocks noGrp="1"/>
+          </p:cNvSpPr>
+          <p:nvPr>
+            <p:ph idx="1"/>
+          </p:nvPr>
+        </p:nvSpPr>
+        <p:spPr/>
+        <p:txBody>
+          <a:bodyPr/>
+          <a:lstStyle/>
+          <a:p>
+            <a:r>
+              <a:rPr lang="en-US" dirty="0"/>
+              <a:t> Spearman's rank correlation </a:t>
+            </a:r>
+            <a:br>
+              <a:rPr lang="en-US" dirty="0"/>
+            </a:br>
+            <a:r>
+              <a:rPr lang="en-US" dirty="0"/>
+              <a:t>coefficient, </a:t>
+            </a:r>
+            <a:r>
+              <a:rPr lang="en-US" i="1" dirty="0" err="1"/>
+              <a:t>r</a:t>
+            </a:r>
+            <a:r>
+              <a:rPr lang="en-US" i="1" baseline="-25000" dirty="0" err="1"/>
+              <a:t>s</a:t>
+            </a:r>
+            <a:r>
+              <a:rPr lang="en-US" dirty="0"/>
+              <a:t>, is a nonparametric </a:t>
+            </a:r>
+            <a:br>
+              <a:rPr lang="en-US" dirty="0"/>
+            </a:br>
+            <a:r>
+              <a:rPr lang="en-US" dirty="0"/>
+              <a:t>measure of rank correlation</a:t>
+            </a:r>
+          </a:p>
+          <a:p>
+            <a:r>
+              <a:rPr lang="en-US" dirty="0"/>
+              <a:t>It tells how well the relationship </a:t>
+            </a:r>
+            <a:br>
+              <a:rPr lang="en-US" dirty="0"/>
+            </a:br>
+            <a:r>
+              <a:rPr lang="en-US" dirty="0"/>
+              <a:t>between two variables can be </a:t>
+            </a:r>
+            <a:br>
+              <a:rPr lang="en-US" dirty="0"/>
+            </a:br>
+            <a:r>
+              <a:rPr lang="en-US" dirty="0"/>
+              <a:t>described using a monotonic function. </a:t>
+            </a:r>
+          </a:p>
+          <a:p>
+            <a:r>
+              <a:rPr lang="en-US" dirty="0"/>
+              <a:t>It is equal to the Pearson correlation between the rank values of those two variables</a:t>
+            </a:r>
+          </a:p>
+        </p:txBody>
+      </p:sp>
+      <p:pic>
+        <p:nvPicPr>
+          <p:cNvPr id="10" name="Picture 9">
+            <a:extLst>
+              <a:ext uri="{FF2B5EF4-FFF2-40B4-BE49-F238E27FC236}">
+                <a16:creationId xmlns:a16="http://schemas.microsoft.com/office/drawing/2014/main" id="{B4C8534B-91D7-4134-B0E9-65399BFB6330}"/>
+              </a:ext>
+            </a:extLst>
+          </p:cNvPr>
+          <p:cNvPicPr>
+            <a:picLocks noChangeAspect="1"/>
+          </p:cNvPicPr>
+          <p:nvPr/>
+        </p:nvPicPr>
+        <p:blipFill rotWithShape="1">
+          <a:blip r:embed="rId2"/>
+          <a:srcRect l="17821" t="34111" r="32637" b="45817"/>
+          <a:stretch/>
+        </p:blipFill>
+        <p:spPr>
+          <a:xfrm>
+            <a:off x="6093071" y="1690688"/>
+            <a:ext cx="6098929" cy="2164712"/>
+          </a:xfrm>
+          <a:prstGeom prst="rect">
+            <a:avLst/>
+          </a:prstGeom>
+        </p:spPr>
+      </p:pic>
+    </p:spTree>
+    <p:extLst>
+      <p:ext uri="{BB962C8B-B14F-4D97-AF65-F5344CB8AC3E}">
+        <p14:creationId xmlns:p14="http://schemas.microsoft.com/office/powerpoint/2010/main" val="3534455254"/>
+      </p:ext>
+    </p:extLst>
+  </p:cSld>
+  <p:clrMapOvr>
+    <a:masterClrMapping/>
+  </p:clrMapOvr>
+</p:sld>
+</file>
+
 <file path=ppt/slides/slide2.xml><?xml version="1.0" encoding="utf-8"?>
 <p:sld xmlns:a="http://schemas.openxmlformats.org/drawingml/2006/main" xmlns:r="http://schemas.openxmlformats.org/officeDocument/2006/relationships" xmlns:p="http://schemas.openxmlformats.org/presentationml/2006/main">
   <p:cSld>
@@ -3546,6 +5365,863 @@
     <p:extLst>
       <p:ext uri="{BB962C8B-B14F-4D97-AF65-F5344CB8AC3E}">
         <p14:creationId xmlns:p14="http://schemas.microsoft.com/office/powerpoint/2010/main" val="1419641961"/>
+      </p:ext>
+    </p:extLst>
+  </p:cSld>
+  <p:clrMapOvr>
+    <a:masterClrMapping/>
+  </p:clrMapOvr>
+</p:sld>
+</file>
+
+<file path=ppt/slides/slide20.xml><?xml version="1.0" encoding="utf-8"?>
+<p:sld xmlns:a="http://schemas.openxmlformats.org/drawingml/2006/main" xmlns:r="http://schemas.openxmlformats.org/officeDocument/2006/relationships" xmlns:p="http://schemas.openxmlformats.org/presentationml/2006/main">
+  <p:cSld>
+    <p:spTree>
+      <p:nvGrpSpPr>
+        <p:cNvPr id="1" name=""/>
+        <p:cNvGrpSpPr/>
+        <p:nvPr/>
+      </p:nvGrpSpPr>
+      <p:grpSpPr>
+        <a:xfrm>
+          <a:off x="0" y="0"/>
+          <a:ext cx="0" cy="0"/>
+          <a:chOff x="0" y="0"/>
+          <a:chExt cx="0" cy="0"/>
+        </a:xfrm>
+      </p:grpSpPr>
+      <p:sp>
+        <p:nvSpPr>
+          <p:cNvPr id="2" name="Title 1">
+            <a:extLst>
+              <a:ext uri="{FF2B5EF4-FFF2-40B4-BE49-F238E27FC236}">
+                <a16:creationId xmlns:a16="http://schemas.microsoft.com/office/drawing/2014/main" id="{8D6D4D18-64AA-4C4E-91F0-D639B283FAF1}"/>
+              </a:ext>
+            </a:extLst>
+          </p:cNvPr>
+          <p:cNvSpPr>
+            <a:spLocks noGrp="1"/>
+          </p:cNvSpPr>
+          <p:nvPr>
+            <p:ph type="title"/>
+          </p:nvPr>
+        </p:nvSpPr>
+        <p:spPr/>
+        <p:txBody>
+          <a:bodyPr/>
+          <a:lstStyle/>
+          <a:p>
+            <a:r>
+              <a:rPr lang="en-US" dirty="0"/>
+              <a:t>Spearman’s correlation</a:t>
+            </a:r>
+          </a:p>
+        </p:txBody>
+      </p:sp>
+      <p:pic>
+        <p:nvPicPr>
+          <p:cNvPr id="5" name="Content Placeholder 4">
+            <a:extLst>
+              <a:ext uri="{FF2B5EF4-FFF2-40B4-BE49-F238E27FC236}">
+                <a16:creationId xmlns:a16="http://schemas.microsoft.com/office/drawing/2014/main" id="{9374857F-8B7C-434A-AF6A-0048E60906CB}"/>
+              </a:ext>
+            </a:extLst>
+          </p:cNvPr>
+          <p:cNvPicPr>
+            <a:picLocks noGrp="1" noChangeAspect="1"/>
+          </p:cNvPicPr>
+          <p:nvPr>
+            <p:ph idx="1"/>
+          </p:nvPr>
+        </p:nvPicPr>
+        <p:blipFill>
+          <a:blip r:embed="rId2">
+            <a:extLst>
+              <a:ext uri="{28A0092B-C50C-407E-A947-70E740481C1C}">
+                <a14:useLocalDpi xmlns:a14="http://schemas.microsoft.com/office/drawing/2010/main" val="0"/>
+              </a:ext>
+              <a:ext uri="{96DAC541-7B7A-43D3-8B79-37D633B846F1}">
+                <asvg:svgBlip xmlns:asvg="http://schemas.microsoft.com/office/drawing/2016/SVG/main" r:embed="rId3"/>
+              </a:ext>
+            </a:extLst>
+          </a:blip>
+          <a:stretch>
+            <a:fillRect/>
+          </a:stretch>
+        </p:blipFill>
+        <p:spPr>
+          <a:xfrm>
+            <a:off x="489959" y="1690688"/>
+            <a:ext cx="3657600" cy="3467100"/>
+          </a:xfrm>
+        </p:spPr>
+      </p:pic>
+      <p:pic>
+        <p:nvPicPr>
+          <p:cNvPr id="7" name="Graphic 6">
+            <a:extLst>
+              <a:ext uri="{FF2B5EF4-FFF2-40B4-BE49-F238E27FC236}">
+                <a16:creationId xmlns:a16="http://schemas.microsoft.com/office/drawing/2014/main" id="{B5465231-C686-4FCE-AE78-E860E704D35D}"/>
+              </a:ext>
+            </a:extLst>
+          </p:cNvPr>
+          <p:cNvPicPr>
+            <a:picLocks noChangeAspect="1"/>
+          </p:cNvPicPr>
+          <p:nvPr/>
+        </p:nvPicPr>
+        <p:blipFill>
+          <a:blip r:embed="rId4">
+            <a:extLst>
+              <a:ext uri="{28A0092B-C50C-407E-A947-70E740481C1C}">
+                <a14:useLocalDpi xmlns:a14="http://schemas.microsoft.com/office/drawing/2010/main" val="0"/>
+              </a:ext>
+              <a:ext uri="{96DAC541-7B7A-43D3-8B79-37D633B846F1}">
+                <asvg:svgBlip xmlns:asvg="http://schemas.microsoft.com/office/drawing/2016/SVG/main" r:embed="rId5"/>
+              </a:ext>
+            </a:extLst>
+          </a:blip>
+          <a:stretch>
+            <a:fillRect/>
+          </a:stretch>
+        </p:blipFill>
+        <p:spPr>
+          <a:xfrm>
+            <a:off x="4267200" y="1695450"/>
+            <a:ext cx="3652576" cy="3462338"/>
+          </a:xfrm>
+          <a:prstGeom prst="rect">
+            <a:avLst/>
+          </a:prstGeom>
+        </p:spPr>
+      </p:pic>
+      <p:pic>
+        <p:nvPicPr>
+          <p:cNvPr id="9" name="Graphic 8">
+            <a:extLst>
+              <a:ext uri="{FF2B5EF4-FFF2-40B4-BE49-F238E27FC236}">
+                <a16:creationId xmlns:a16="http://schemas.microsoft.com/office/drawing/2014/main" id="{2B486715-27AC-4135-B938-F57E2F47B25A}"/>
+              </a:ext>
+            </a:extLst>
+          </p:cNvPr>
+          <p:cNvPicPr>
+            <a:picLocks noChangeAspect="1"/>
+          </p:cNvPicPr>
+          <p:nvPr/>
+        </p:nvPicPr>
+        <p:blipFill>
+          <a:blip r:embed="rId6">
+            <a:extLst>
+              <a:ext uri="{28A0092B-C50C-407E-A947-70E740481C1C}">
+                <a14:useLocalDpi xmlns:a14="http://schemas.microsoft.com/office/drawing/2010/main" val="0"/>
+              </a:ext>
+              <a:ext uri="{96DAC541-7B7A-43D3-8B79-37D633B846F1}">
+                <asvg:svgBlip xmlns:asvg="http://schemas.microsoft.com/office/drawing/2016/SVG/main" r:embed="rId7"/>
+              </a:ext>
+            </a:extLst>
+          </a:blip>
+          <a:stretch>
+            <a:fillRect/>
+          </a:stretch>
+        </p:blipFill>
+        <p:spPr>
+          <a:xfrm>
+            <a:off x="8044441" y="1695450"/>
+            <a:ext cx="3657600" cy="3467100"/>
+          </a:xfrm>
+          <a:prstGeom prst="rect">
+            <a:avLst/>
+          </a:prstGeom>
+        </p:spPr>
+      </p:pic>
+      <p:sp>
+        <p:nvSpPr>
+          <p:cNvPr id="10" name="TextBox 9">
+            <a:extLst>
+              <a:ext uri="{FF2B5EF4-FFF2-40B4-BE49-F238E27FC236}">
+                <a16:creationId xmlns:a16="http://schemas.microsoft.com/office/drawing/2014/main" id="{82C54D8D-6959-48B1-BD93-D47A59E25C87}"/>
+              </a:ext>
+            </a:extLst>
+          </p:cNvPr>
+          <p:cNvSpPr txBox="1"/>
+          <p:nvPr/>
+        </p:nvSpPr>
+        <p:spPr>
+          <a:xfrm>
+            <a:off x="2333002" y="5292904"/>
+            <a:ext cx="7758954" cy="523220"/>
+          </a:xfrm>
+          <a:prstGeom prst="rect">
+            <a:avLst/>
+          </a:prstGeom>
+          <a:noFill/>
+        </p:spPr>
+        <p:txBody>
+          <a:bodyPr wrap="square" rtlCol="0">
+            <a:spAutoFit/>
+          </a:bodyPr>
+          <a:lstStyle/>
+          <a:p>
+            <a:r>
+              <a:rPr lang="en-US" sz="1400" b="1" dirty="0"/>
+              <a:t>Examples of scatter diagrams with different values of Spearman’s correlation coefficient</a:t>
+            </a:r>
+            <a:br>
+              <a:rPr lang="en-US" sz="1400" dirty="0"/>
+            </a:br>
+            <a:r>
+              <a:rPr lang="en-US" sz="1400" dirty="0"/>
+              <a:t>Ref: https://en.wikipedia.org/wiki/Spearman%27s_rank_correlation_coefficient</a:t>
+            </a:r>
+          </a:p>
+        </p:txBody>
+      </p:sp>
+    </p:spTree>
+    <p:extLst>
+      <p:ext uri="{BB962C8B-B14F-4D97-AF65-F5344CB8AC3E}">
+        <p14:creationId xmlns:p14="http://schemas.microsoft.com/office/powerpoint/2010/main" val="937785615"/>
+      </p:ext>
+    </p:extLst>
+  </p:cSld>
+  <p:clrMapOvr>
+    <a:masterClrMapping/>
+  </p:clrMapOvr>
+</p:sld>
+</file>
+
+<file path=ppt/slides/slide21.xml><?xml version="1.0" encoding="utf-8"?>
+<p:sld xmlns:a="http://schemas.openxmlformats.org/drawingml/2006/main" xmlns:r="http://schemas.openxmlformats.org/officeDocument/2006/relationships" xmlns:p="http://schemas.openxmlformats.org/presentationml/2006/main">
+  <p:cSld>
+    <p:spTree>
+      <p:nvGrpSpPr>
+        <p:cNvPr id="1" name=""/>
+        <p:cNvGrpSpPr/>
+        <p:nvPr/>
+      </p:nvGrpSpPr>
+      <p:grpSpPr>
+        <a:xfrm>
+          <a:off x="0" y="0"/>
+          <a:ext cx="0" cy="0"/>
+          <a:chOff x="0" y="0"/>
+          <a:chExt cx="0" cy="0"/>
+        </a:xfrm>
+      </p:grpSpPr>
+      <p:sp>
+        <p:nvSpPr>
+          <p:cNvPr id="2" name="Title 1">
+            <a:extLst>
+              <a:ext uri="{FF2B5EF4-FFF2-40B4-BE49-F238E27FC236}">
+                <a16:creationId xmlns:a16="http://schemas.microsoft.com/office/drawing/2014/main" id="{C87166CE-0E0E-4F43-8C17-F5E1CCC85B87}"/>
+              </a:ext>
+            </a:extLst>
+          </p:cNvPr>
+          <p:cNvSpPr>
+            <a:spLocks noGrp="1"/>
+          </p:cNvSpPr>
+          <p:nvPr>
+            <p:ph type="title"/>
+          </p:nvPr>
+        </p:nvSpPr>
+        <p:spPr/>
+        <p:txBody>
+          <a:bodyPr/>
+          <a:lstStyle/>
+          <a:p>
+            <a:r>
+              <a:rPr lang="en-US" dirty="0"/>
+              <a:t>Mutual information</a:t>
+            </a:r>
+          </a:p>
+        </p:txBody>
+      </p:sp>
+      <p:sp>
+        <p:nvSpPr>
+          <p:cNvPr id="3" name="Content Placeholder 2">
+            <a:extLst>
+              <a:ext uri="{FF2B5EF4-FFF2-40B4-BE49-F238E27FC236}">
+                <a16:creationId xmlns:a16="http://schemas.microsoft.com/office/drawing/2014/main" id="{FB12D6B7-261E-43F6-A479-F7B56276E898}"/>
+              </a:ext>
+            </a:extLst>
+          </p:cNvPr>
+          <p:cNvSpPr>
+            <a:spLocks noGrp="1"/>
+          </p:cNvSpPr>
+          <p:nvPr>
+            <p:ph idx="1"/>
+          </p:nvPr>
+        </p:nvSpPr>
+        <p:spPr/>
+        <p:txBody>
+          <a:bodyPr/>
+          <a:lstStyle/>
+          <a:p>
+            <a:r>
+              <a:rPr lang="en-US" dirty="0"/>
+              <a:t>Mutual information between two random variables </a:t>
+            </a:r>
+            <a:r>
+              <a:rPr lang="en-US" i="1" dirty="0"/>
+              <a:t>X </a:t>
+            </a:r>
+            <a:r>
+              <a:rPr lang="en-US" dirty="0"/>
+              <a:t>and </a:t>
+            </a:r>
+            <a:r>
+              <a:rPr lang="en-US" i="1" dirty="0"/>
+              <a:t>Y, I(X;Y),</a:t>
+            </a:r>
+            <a:r>
+              <a:rPr lang="en-US" dirty="0"/>
+              <a:t> is a  measure of the mutual dependence between the two variables</a:t>
+            </a:r>
+          </a:p>
+          <a:p>
+            <a:r>
+              <a:rPr lang="en-US" dirty="0"/>
+              <a:t>Quantifies the amount of information about one random variable, through the other random variable</a:t>
+            </a:r>
+          </a:p>
+          <a:p>
+            <a:r>
+              <a:rPr lang="en-US" dirty="0"/>
+              <a:t>Defined as:</a:t>
+            </a:r>
+            <a:br>
+              <a:rPr lang="en-US" dirty="0"/>
+            </a:br>
+            <a:br>
+              <a:rPr lang="en-US" dirty="0"/>
+            </a:br>
+            <a:br>
+              <a:rPr lang="en-US" dirty="0"/>
+            </a:br>
+            <a:r>
+              <a:rPr lang="en-US" dirty="0"/>
+              <a:t>Where </a:t>
+            </a:r>
+            <a:r>
+              <a:rPr lang="en-US" i="1" dirty="0"/>
+              <a:t>p(</a:t>
+            </a:r>
+            <a:r>
+              <a:rPr lang="en-US" i="1" dirty="0" err="1"/>
+              <a:t>x,y</a:t>
+            </a:r>
+            <a:r>
+              <a:rPr lang="en-US" i="1" dirty="0"/>
+              <a:t>) </a:t>
+            </a:r>
+            <a:r>
+              <a:rPr lang="en-US" dirty="0"/>
+              <a:t>is the joint probability distribution and </a:t>
+            </a:r>
+            <a:r>
+              <a:rPr lang="en-US" i="1" dirty="0"/>
+              <a:t>p(x)</a:t>
+            </a:r>
+            <a:r>
+              <a:rPr lang="en-US" dirty="0"/>
+              <a:t> and </a:t>
+            </a:r>
+            <a:r>
+              <a:rPr lang="en-US" i="1" dirty="0"/>
+              <a:t>p(y)</a:t>
+            </a:r>
+            <a:r>
+              <a:rPr lang="en-US" dirty="0"/>
+              <a:t> are marginal probability distributions</a:t>
+            </a:r>
+          </a:p>
+          <a:p>
+            <a:endParaRPr lang="en-US" dirty="0"/>
+          </a:p>
+        </p:txBody>
+      </p:sp>
+      <p:pic>
+        <p:nvPicPr>
+          <p:cNvPr id="4" name="Picture 3">
+            <a:extLst>
+              <a:ext uri="{FF2B5EF4-FFF2-40B4-BE49-F238E27FC236}">
+                <a16:creationId xmlns:a16="http://schemas.microsoft.com/office/drawing/2014/main" id="{7D8BDA9A-B6E9-434D-84A4-FE1375AD4F6C}"/>
+              </a:ext>
+            </a:extLst>
+          </p:cNvPr>
+          <p:cNvPicPr>
+            <a:picLocks noChangeAspect="1"/>
+          </p:cNvPicPr>
+          <p:nvPr/>
+        </p:nvPicPr>
+        <p:blipFill rotWithShape="1">
+          <a:blip r:embed="rId2"/>
+          <a:srcRect l="18784" t="25721" r="55344" b="64830"/>
+          <a:stretch/>
+        </p:blipFill>
+        <p:spPr>
+          <a:xfrm>
+            <a:off x="2969702" y="3520201"/>
+            <a:ext cx="5561901" cy="1100229"/>
+          </a:xfrm>
+          <a:prstGeom prst="rect">
+            <a:avLst/>
+          </a:prstGeom>
+        </p:spPr>
+      </p:pic>
+    </p:spTree>
+    <p:extLst>
+      <p:ext uri="{BB962C8B-B14F-4D97-AF65-F5344CB8AC3E}">
+        <p14:creationId xmlns:p14="http://schemas.microsoft.com/office/powerpoint/2010/main" val="1717250112"/>
+      </p:ext>
+    </p:extLst>
+  </p:cSld>
+  <p:clrMapOvr>
+    <a:masterClrMapping/>
+  </p:clrMapOvr>
+</p:sld>
+</file>
+
+<file path=ppt/slides/slide22.xml><?xml version="1.0" encoding="utf-8"?>
+<p:sld xmlns:a="http://schemas.openxmlformats.org/drawingml/2006/main" xmlns:r="http://schemas.openxmlformats.org/officeDocument/2006/relationships" xmlns:p="http://schemas.openxmlformats.org/presentationml/2006/main">
+  <p:cSld>
+    <p:spTree>
+      <p:nvGrpSpPr>
+        <p:cNvPr id="1" name=""/>
+        <p:cNvGrpSpPr/>
+        <p:nvPr/>
+      </p:nvGrpSpPr>
+      <p:grpSpPr>
+        <a:xfrm>
+          <a:off x="0" y="0"/>
+          <a:ext cx="0" cy="0"/>
+          <a:chOff x="0" y="0"/>
+          <a:chExt cx="0" cy="0"/>
+        </a:xfrm>
+      </p:grpSpPr>
+      <p:sp>
+        <p:nvSpPr>
+          <p:cNvPr id="2" name="Title 1">
+            <a:extLst>
+              <a:ext uri="{FF2B5EF4-FFF2-40B4-BE49-F238E27FC236}">
+                <a16:creationId xmlns:a16="http://schemas.microsoft.com/office/drawing/2014/main" id="{9CCA5831-8EFF-431C-BB98-58ED5FAA2258}"/>
+              </a:ext>
+            </a:extLst>
+          </p:cNvPr>
+          <p:cNvSpPr>
+            <a:spLocks noGrp="1"/>
+          </p:cNvSpPr>
+          <p:nvPr>
+            <p:ph type="title"/>
+          </p:nvPr>
+        </p:nvSpPr>
+        <p:spPr/>
+        <p:txBody>
+          <a:bodyPr/>
+          <a:lstStyle/>
+          <a:p>
+            <a:r>
+              <a:rPr lang="en-US" dirty="0"/>
+              <a:t>Mutual information</a:t>
+            </a:r>
+          </a:p>
+        </p:txBody>
+      </p:sp>
+      <p:pic>
+        <p:nvPicPr>
+          <p:cNvPr id="5" name="Content Placeholder 4">
+            <a:extLst>
+              <a:ext uri="{FF2B5EF4-FFF2-40B4-BE49-F238E27FC236}">
+                <a16:creationId xmlns:a16="http://schemas.microsoft.com/office/drawing/2014/main" id="{E16C2E07-2186-4350-A9D3-40420AB345BF}"/>
+              </a:ext>
+            </a:extLst>
+          </p:cNvPr>
+          <p:cNvPicPr>
+            <a:picLocks noGrp="1" noChangeAspect="1"/>
+          </p:cNvPicPr>
+          <p:nvPr>
+            <p:ph idx="1"/>
+          </p:nvPr>
+        </p:nvPicPr>
+        <p:blipFill rotWithShape="1">
+          <a:blip r:embed="rId2">
+            <a:extLst>
+              <a:ext uri="{28A0092B-C50C-407E-A947-70E740481C1C}">
+                <a14:useLocalDpi xmlns:a14="http://schemas.microsoft.com/office/drawing/2010/main" val="0"/>
+              </a:ext>
+            </a:extLst>
+          </a:blip>
+          <a:srcRect l="22881" r="27186" b="52115"/>
+          <a:stretch/>
+        </p:blipFill>
+        <p:spPr>
+          <a:xfrm>
+            <a:off x="3733101" y="1690688"/>
+            <a:ext cx="4160939" cy="3990302"/>
+          </a:xfrm>
+        </p:spPr>
+      </p:pic>
+      <p:sp>
+        <p:nvSpPr>
+          <p:cNvPr id="6" name="TextBox 5">
+            <a:extLst>
+              <a:ext uri="{FF2B5EF4-FFF2-40B4-BE49-F238E27FC236}">
+                <a16:creationId xmlns:a16="http://schemas.microsoft.com/office/drawing/2014/main" id="{5847396E-E32B-42F4-9A94-412164CD300B}"/>
+              </a:ext>
+            </a:extLst>
+          </p:cNvPr>
+          <p:cNvSpPr txBox="1"/>
+          <p:nvPr/>
+        </p:nvSpPr>
+        <p:spPr>
+          <a:xfrm>
+            <a:off x="2097248" y="5680990"/>
+            <a:ext cx="9462781" cy="738664"/>
+          </a:xfrm>
+          <a:prstGeom prst="rect">
+            <a:avLst/>
+          </a:prstGeom>
+          <a:noFill/>
+        </p:spPr>
+        <p:txBody>
+          <a:bodyPr wrap="square" rtlCol="0">
+            <a:spAutoFit/>
+          </a:bodyPr>
+          <a:lstStyle/>
+          <a:p>
+            <a:r>
+              <a:rPr lang="en-US" sz="1400" b="1" dirty="0"/>
+              <a:t>Dataset with very high mutual information value. Pearson correlation value is close to zero.</a:t>
+            </a:r>
+          </a:p>
+          <a:p>
+            <a:r>
+              <a:rPr lang="en-US" sz="1400" dirty="0"/>
+              <a:t>Ref: Daub, Carsten O., et al. "Estimating mutual information using B-spline functions–an improved similarity measure for </a:t>
+            </a:r>
+            <a:r>
+              <a:rPr lang="en-US" sz="1400" dirty="0" err="1"/>
+              <a:t>analysing</a:t>
+            </a:r>
+            <a:r>
+              <a:rPr lang="en-US" sz="1400" dirty="0"/>
+              <a:t> gene expression data." </a:t>
+            </a:r>
+            <a:r>
+              <a:rPr lang="en-US" sz="1400" i="1" dirty="0"/>
+              <a:t>BMC bioinformatics</a:t>
+            </a:r>
+            <a:r>
+              <a:rPr lang="en-US" sz="1400" dirty="0"/>
+              <a:t> 5.1 (2004): 118.</a:t>
+            </a:r>
+          </a:p>
+        </p:txBody>
+      </p:sp>
+    </p:spTree>
+    <p:extLst>
+      <p:ext uri="{BB962C8B-B14F-4D97-AF65-F5344CB8AC3E}">
+        <p14:creationId xmlns:p14="http://schemas.microsoft.com/office/powerpoint/2010/main" val="2170763521"/>
+      </p:ext>
+    </p:extLst>
+  </p:cSld>
+  <p:clrMapOvr>
+    <a:masterClrMapping/>
+  </p:clrMapOvr>
+</p:sld>
+</file>
+
+<file path=ppt/slides/slide23.xml><?xml version="1.0" encoding="utf-8"?>
+<p:sld xmlns:a="http://schemas.openxmlformats.org/drawingml/2006/main" xmlns:r="http://schemas.openxmlformats.org/officeDocument/2006/relationships" xmlns:p="http://schemas.openxmlformats.org/presentationml/2006/main">
+  <p:cSld>
+    <p:spTree>
+      <p:nvGrpSpPr>
+        <p:cNvPr id="1" name=""/>
+        <p:cNvGrpSpPr/>
+        <p:nvPr/>
+      </p:nvGrpSpPr>
+      <p:grpSpPr>
+        <a:xfrm>
+          <a:off x="0" y="0"/>
+          <a:ext cx="0" cy="0"/>
+          <a:chOff x="0" y="0"/>
+          <a:chExt cx="0" cy="0"/>
+        </a:xfrm>
+      </p:grpSpPr>
+      <p:sp>
+        <p:nvSpPr>
+          <p:cNvPr id="2" name="Title 1">
+            <a:extLst>
+              <a:ext uri="{FF2B5EF4-FFF2-40B4-BE49-F238E27FC236}">
+                <a16:creationId xmlns:a16="http://schemas.microsoft.com/office/drawing/2014/main" id="{85DE571C-9874-480E-93C8-6682E5F94533}"/>
+              </a:ext>
+            </a:extLst>
+          </p:cNvPr>
+          <p:cNvSpPr>
+            <a:spLocks noGrp="1"/>
+          </p:cNvSpPr>
+          <p:nvPr>
+            <p:ph type="title"/>
+          </p:nvPr>
+        </p:nvSpPr>
+        <p:spPr/>
+        <p:txBody>
+          <a:bodyPr/>
+          <a:lstStyle/>
+          <a:p>
+            <a:r>
+              <a:rPr lang="en-US" dirty="0"/>
+              <a:t>Association vs causation</a:t>
+            </a:r>
+          </a:p>
+        </p:txBody>
+      </p:sp>
+      <p:pic>
+        <p:nvPicPr>
+          <p:cNvPr id="5" name="Content Placeholder 4">
+            <a:extLst>
+              <a:ext uri="{FF2B5EF4-FFF2-40B4-BE49-F238E27FC236}">
+                <a16:creationId xmlns:a16="http://schemas.microsoft.com/office/drawing/2014/main" id="{0D7BB40B-D845-47D8-9551-3E4C377CE320}"/>
+              </a:ext>
+            </a:extLst>
+          </p:cNvPr>
+          <p:cNvPicPr>
+            <a:picLocks noGrp="1" noChangeAspect="1"/>
+          </p:cNvPicPr>
+          <p:nvPr>
+            <p:ph idx="1"/>
+          </p:nvPr>
+        </p:nvPicPr>
+        <p:blipFill>
+          <a:blip r:embed="rId2">
+            <a:extLst>
+              <a:ext uri="{28A0092B-C50C-407E-A947-70E740481C1C}">
+                <a14:useLocalDpi xmlns:a14="http://schemas.microsoft.com/office/drawing/2010/main" val="0"/>
+              </a:ext>
+            </a:extLst>
+          </a:blip>
+          <a:stretch>
+            <a:fillRect/>
+          </a:stretch>
+        </p:blipFill>
+        <p:spPr>
+          <a:xfrm>
+            <a:off x="3283503" y="2277586"/>
+            <a:ext cx="5624993" cy="3656245"/>
+          </a:xfrm>
+        </p:spPr>
+      </p:pic>
+      <p:sp>
+        <p:nvSpPr>
+          <p:cNvPr id="6" name="TextBox 5">
+            <a:extLst>
+              <a:ext uri="{FF2B5EF4-FFF2-40B4-BE49-F238E27FC236}">
+                <a16:creationId xmlns:a16="http://schemas.microsoft.com/office/drawing/2014/main" id="{340D54E3-328D-4E31-A563-68B9EE7EE0F5}"/>
+              </a:ext>
+            </a:extLst>
+          </p:cNvPr>
+          <p:cNvSpPr txBox="1"/>
+          <p:nvPr/>
+        </p:nvSpPr>
+        <p:spPr>
+          <a:xfrm>
+            <a:off x="2080470" y="6086276"/>
+            <a:ext cx="9462781" cy="523220"/>
+          </a:xfrm>
+          <a:prstGeom prst="rect">
+            <a:avLst/>
+          </a:prstGeom>
+          <a:noFill/>
+        </p:spPr>
+        <p:txBody>
+          <a:bodyPr wrap="square" rtlCol="0">
+            <a:spAutoFit/>
+          </a:bodyPr>
+          <a:lstStyle/>
+          <a:p>
+            <a:r>
+              <a:rPr lang="en-US" sz="1400" dirty="0"/>
+              <a:t>Ref: Johnson, Stephen R. "The trouble with QSAR (or how I learned to stop worrying and embrace fallacy)." </a:t>
+            </a:r>
+            <a:r>
+              <a:rPr lang="en-US" sz="1400" i="1" dirty="0"/>
+              <a:t>Journal of Chemical Information and Modeling</a:t>
+            </a:r>
+            <a:r>
+              <a:rPr lang="en-US" sz="1400" dirty="0"/>
+              <a:t> 48.1 (2008): 25-26.</a:t>
+            </a:r>
+          </a:p>
+        </p:txBody>
+      </p:sp>
+      <p:sp>
+        <p:nvSpPr>
+          <p:cNvPr id="7" name="TextBox 6">
+            <a:extLst>
+              <a:ext uri="{FF2B5EF4-FFF2-40B4-BE49-F238E27FC236}">
+                <a16:creationId xmlns:a16="http://schemas.microsoft.com/office/drawing/2014/main" id="{09324EC0-D1DF-4719-A8BC-204CDF36FF0E}"/>
+              </a:ext>
+            </a:extLst>
+          </p:cNvPr>
+          <p:cNvSpPr txBox="1"/>
+          <p:nvPr/>
+        </p:nvSpPr>
+        <p:spPr>
+          <a:xfrm>
+            <a:off x="4295164" y="1799471"/>
+            <a:ext cx="4118993" cy="369332"/>
+          </a:xfrm>
+          <a:prstGeom prst="rect">
+            <a:avLst/>
+          </a:prstGeom>
+          <a:noFill/>
+        </p:spPr>
+        <p:txBody>
+          <a:bodyPr wrap="square" rtlCol="0">
+            <a:spAutoFit/>
+          </a:bodyPr>
+          <a:lstStyle/>
+          <a:p>
+            <a:r>
+              <a:rPr lang="en-US" dirty="0"/>
+              <a:t>Is there an association? Is the causation?</a:t>
+            </a:r>
+          </a:p>
+        </p:txBody>
+      </p:sp>
+      <p:sp>
+        <p:nvSpPr>
+          <p:cNvPr id="8" name="Rectangle 7">
+            <a:extLst>
+              <a:ext uri="{FF2B5EF4-FFF2-40B4-BE49-F238E27FC236}">
+                <a16:creationId xmlns:a16="http://schemas.microsoft.com/office/drawing/2014/main" id="{C2CAD7AC-D289-4CED-BA0E-66CF9119F1D6}"/>
+              </a:ext>
+            </a:extLst>
+          </p:cNvPr>
+          <p:cNvSpPr/>
+          <p:nvPr/>
+        </p:nvSpPr>
+        <p:spPr>
+          <a:xfrm>
+            <a:off x="7701094" y="2424418"/>
+            <a:ext cx="973123" cy="268448"/>
+          </a:xfrm>
+          <a:prstGeom prst="rect">
+            <a:avLst/>
+          </a:prstGeom>
+          <a:ln>
+            <a:noFill/>
+          </a:ln>
+        </p:spPr>
+        <p:style>
+          <a:lnRef idx="2">
+            <a:schemeClr val="accent1"/>
+          </a:lnRef>
+          <a:fillRef idx="1">
+            <a:schemeClr val="lt1"/>
+          </a:fillRef>
+          <a:effectRef idx="0">
+            <a:schemeClr val="accent1"/>
+          </a:effectRef>
+          <a:fontRef idx="minor">
+            <a:schemeClr val="dk1"/>
+          </a:fontRef>
+        </p:style>
+        <p:txBody>
+          <a:bodyPr rtlCol="0" anchor="ctr"/>
+          <a:lstStyle/>
+          <a:p>
+            <a:pPr algn="ctr"/>
+            <a:endParaRPr lang="en-US"/>
+          </a:p>
+        </p:txBody>
+      </p:sp>
+    </p:spTree>
+    <p:extLst>
+      <p:ext uri="{BB962C8B-B14F-4D97-AF65-F5344CB8AC3E}">
+        <p14:creationId xmlns:p14="http://schemas.microsoft.com/office/powerpoint/2010/main" val="3626692504"/>
+      </p:ext>
+    </p:extLst>
+  </p:cSld>
+  <p:clrMapOvr>
+    <a:masterClrMapping/>
+  </p:clrMapOvr>
+</p:sld>
+</file>
+
+<file path=ppt/slides/slide24.xml><?xml version="1.0" encoding="utf-8"?>
+<p:sld xmlns:a="http://schemas.openxmlformats.org/drawingml/2006/main" xmlns:r="http://schemas.openxmlformats.org/officeDocument/2006/relationships" xmlns:p="http://schemas.openxmlformats.org/presentationml/2006/main">
+  <p:cSld>
+    <p:spTree>
+      <p:nvGrpSpPr>
+        <p:cNvPr id="1" name=""/>
+        <p:cNvGrpSpPr/>
+        <p:nvPr/>
+      </p:nvGrpSpPr>
+      <p:grpSpPr>
+        <a:xfrm>
+          <a:off x="0" y="0"/>
+          <a:ext cx="0" cy="0"/>
+          <a:chOff x="0" y="0"/>
+          <a:chExt cx="0" cy="0"/>
+        </a:xfrm>
+      </p:grpSpPr>
+      <p:sp>
+        <p:nvSpPr>
+          <p:cNvPr id="2" name="Title 1">
+            <a:extLst>
+              <a:ext uri="{FF2B5EF4-FFF2-40B4-BE49-F238E27FC236}">
+                <a16:creationId xmlns:a16="http://schemas.microsoft.com/office/drawing/2014/main" id="{7DEF3157-67DD-47D2-9290-F8CB12796076}"/>
+              </a:ext>
+            </a:extLst>
+          </p:cNvPr>
+          <p:cNvSpPr>
+            <a:spLocks noGrp="1"/>
+          </p:cNvSpPr>
+          <p:nvPr>
+            <p:ph type="title"/>
+          </p:nvPr>
+        </p:nvSpPr>
+        <p:spPr/>
+        <p:txBody>
+          <a:bodyPr/>
+          <a:lstStyle/>
+          <a:p>
+            <a:r>
+              <a:rPr lang="en-US" dirty="0"/>
+              <a:t>MOG tutorial</a:t>
+            </a:r>
+          </a:p>
+        </p:txBody>
+      </p:sp>
+      <p:sp>
+        <p:nvSpPr>
+          <p:cNvPr id="3" name="Content Placeholder 2">
+            <a:extLst>
+              <a:ext uri="{FF2B5EF4-FFF2-40B4-BE49-F238E27FC236}">
+                <a16:creationId xmlns:a16="http://schemas.microsoft.com/office/drawing/2014/main" id="{80C84F2D-0331-49EB-B9A7-A2E162ACC784}"/>
+              </a:ext>
+            </a:extLst>
+          </p:cNvPr>
+          <p:cNvSpPr>
+            <a:spLocks noGrp="1"/>
+          </p:cNvSpPr>
+          <p:nvPr>
+            <p:ph idx="1"/>
+          </p:nvPr>
+        </p:nvSpPr>
+        <p:spPr/>
+        <p:txBody>
+          <a:bodyPr/>
+          <a:lstStyle/>
+          <a:p>
+            <a:endParaRPr lang="en-US"/>
+          </a:p>
+        </p:txBody>
+      </p:sp>
+    </p:spTree>
+    <p:extLst>
+      <p:ext uri="{BB962C8B-B14F-4D97-AF65-F5344CB8AC3E}">
+        <p14:creationId xmlns:p14="http://schemas.microsoft.com/office/powerpoint/2010/main" val="123271180"/>
       </p:ext>
     </p:extLst>
   </p:cSld>
@@ -3836,19 +6512,79 @@
           <a:bodyPr/>
           <a:lstStyle/>
           <a:p>
-            <a:r>
-              <a:rPr lang="en-US" dirty="0"/>
-              <a:t>Communicate data by encoding it as  visual objects</a:t>
-            </a:r>
-          </a:p>
-          <a:p>
-            <a:r>
-              <a:rPr lang="en-US" dirty="0"/>
-              <a:t>Goal is to convey the idea efficiently and effectively</a:t>
-            </a:r>
-          </a:p>
-          <a:p>
             <a:endParaRPr lang="en-US" dirty="0"/>
+          </a:p>
+        </p:txBody>
+      </p:sp>
+      <p:pic>
+        <p:nvPicPr>
+          <p:cNvPr id="4" name="Picture 3">
+            <a:extLst>
+              <a:ext uri="{FF2B5EF4-FFF2-40B4-BE49-F238E27FC236}">
+                <a16:creationId xmlns:a16="http://schemas.microsoft.com/office/drawing/2014/main" id="{88C8212D-A353-4F11-AE36-CFC43BE13C5A}"/>
+              </a:ext>
+            </a:extLst>
+          </p:cNvPr>
+          <p:cNvPicPr>
+            <a:picLocks noChangeAspect="1"/>
+          </p:cNvPicPr>
+          <p:nvPr/>
+        </p:nvPicPr>
+        <p:blipFill rotWithShape="1">
+          <a:blip r:embed="rId2"/>
+          <a:srcRect l="21537" t="10652" r="16399" b="10716"/>
+          <a:stretch/>
+        </p:blipFill>
+        <p:spPr>
+          <a:xfrm>
+            <a:off x="1802932" y="1300090"/>
+            <a:ext cx="7827629" cy="5192785"/>
+          </a:xfrm>
+          <a:prstGeom prst="rect">
+            <a:avLst/>
+          </a:prstGeom>
+        </p:spPr>
+      </p:pic>
+      <p:sp>
+        <p:nvSpPr>
+          <p:cNvPr id="5" name="TextBox 4">
+            <a:extLst>
+              <a:ext uri="{FF2B5EF4-FFF2-40B4-BE49-F238E27FC236}">
+                <a16:creationId xmlns:a16="http://schemas.microsoft.com/office/drawing/2014/main" id="{121EB9E2-3776-4DEA-896D-71A245432627}"/>
+              </a:ext>
+            </a:extLst>
+          </p:cNvPr>
+          <p:cNvSpPr txBox="1"/>
+          <p:nvPr/>
+        </p:nvSpPr>
+        <p:spPr>
+          <a:xfrm>
+            <a:off x="2561439" y="6492875"/>
+            <a:ext cx="7541702" cy="261610"/>
+          </a:xfrm>
+          <a:prstGeom prst="rect">
+            <a:avLst/>
+          </a:prstGeom>
+          <a:noFill/>
+        </p:spPr>
+        <p:txBody>
+          <a:bodyPr wrap="square" rtlCol="0">
+            <a:spAutoFit/>
+          </a:bodyPr>
+          <a:lstStyle/>
+          <a:p>
+            <a:r>
+              <a:rPr lang="en-US" sz="1100" dirty="0"/>
+              <a:t>Ref: Few, Stephen, and Perceptual Edge. "Data visualization: past, present, and future." </a:t>
+            </a:r>
+            <a:r>
+              <a:rPr lang="en-US" sz="1100" i="1" dirty="0"/>
+              <a:t>IBM Cognos Innovation Center</a:t>
+            </a:r>
+            <a:r>
+              <a:rPr lang="en-US" sz="1100" dirty="0"/>
+              <a:t> (2007).</a:t>
+            </a:r>
           </a:p>
         </p:txBody>
       </p:sp>
@@ -3903,7 +6639,10 @@
           <a:bodyPr/>
           <a:lstStyle/>
           <a:p>
-            <a:endParaRPr lang="en-US"/>
+            <a:r>
+              <a:rPr lang="en-US" dirty="0"/>
+              <a:t>Data visualization history</a:t>
+            </a:r>
           </a:p>
         </p:txBody>
       </p:sp>
@@ -3923,19 +6662,194 @@
             <p:ph idx="1"/>
           </p:nvPr>
         </p:nvSpPr>
-        <p:spPr/>
-        <p:txBody>
-          <a:bodyPr/>
-          <a:lstStyle/>
-          <a:p>
-            <a:endParaRPr lang="en-US"/>
-          </a:p>
-        </p:txBody>
-      </p:sp>
+        <p:spPr>
+          <a:xfrm>
+            <a:off x="6096000" y="1825625"/>
+            <a:ext cx="5257800" cy="4351338"/>
+          </a:xfrm>
+        </p:spPr>
+        <p:txBody>
+          <a:bodyPr>
+            <a:normAutofit fontScale="70000" lnSpcReduction="20000"/>
+          </a:bodyPr>
+          <a:lstStyle/>
+          <a:p>
+            <a:r>
+              <a:rPr lang="en-US" b="1" dirty="0"/>
+              <a:t>The earliest visualization arose in geometric diagrams of celestial bodies and maps.</a:t>
+            </a:r>
+          </a:p>
+          <a:p>
+            <a:r>
+              <a:rPr lang="en-US" dirty="0"/>
+              <a:t>Descartes invented the graph in 17</a:t>
+            </a:r>
+            <a:r>
+              <a:rPr lang="en-US" baseline="30000" dirty="0"/>
+              <a:t>th</a:t>
+            </a:r>
+            <a:r>
+              <a:rPr lang="en-US" dirty="0"/>
+              <a:t> century.</a:t>
+            </a:r>
+          </a:p>
+          <a:p>
+            <a:r>
+              <a:rPr lang="en-US" dirty="0"/>
+              <a:t>Early beginnings of statistical theory and data collection in 18</a:t>
+            </a:r>
+            <a:r>
+              <a:rPr lang="en-US" baseline="30000" dirty="0"/>
+              <a:t>th</a:t>
+            </a:r>
+            <a:r>
+              <a:rPr lang="en-US" dirty="0"/>
+              <a:t> century</a:t>
+            </a:r>
+          </a:p>
+          <a:p>
+            <a:r>
+              <a:rPr lang="en-US" dirty="0"/>
+              <a:t>Rapid growth in statistical graphics. bar and pie charts, histograms, line graphs, contour plots, scatter plots were invented in 19</a:t>
+            </a:r>
+            <a:r>
+              <a:rPr lang="en-US" baseline="30000" dirty="0"/>
+              <a:t>th</a:t>
+            </a:r>
+            <a:r>
+              <a:rPr lang="en-US" dirty="0"/>
+              <a:t> century.</a:t>
+            </a:r>
+          </a:p>
+          <a:p>
+            <a:r>
+              <a:rPr lang="en-US" dirty="0"/>
+              <a:t>In 1950 John W. Tukey published The Future of Data Analysis</a:t>
+            </a:r>
+          </a:p>
+          <a:p>
+            <a:r>
+              <a:rPr lang="en-US" dirty="0"/>
+              <a:t>In 1960, the possibility to construct new graphics with computers</a:t>
+            </a:r>
+          </a:p>
+          <a:p>
+            <a:r>
+              <a:rPr lang="en-US" dirty="0"/>
+              <a:t>Presently, we have high-dimensional data to visualize. Challenging to have dynamic and interactive visualizations</a:t>
+            </a:r>
+          </a:p>
+          <a:p>
+            <a:endParaRPr lang="en-US" dirty="0"/>
+          </a:p>
+          <a:p>
+            <a:endParaRPr lang="en-US" dirty="0"/>
+          </a:p>
+          <a:p>
+            <a:endParaRPr lang="en-US" dirty="0"/>
+          </a:p>
+          <a:p>
+            <a:endParaRPr lang="en-US" dirty="0"/>
+          </a:p>
+          <a:p>
+            <a:endParaRPr lang="en-US" dirty="0"/>
+          </a:p>
+          <a:p>
+            <a:endParaRPr lang="en-US" dirty="0"/>
+          </a:p>
+        </p:txBody>
+      </p:sp>
+      <p:sp>
+        <p:nvSpPr>
+          <p:cNvPr id="5" name="TextBox 4">
+            <a:extLst>
+              <a:ext uri="{FF2B5EF4-FFF2-40B4-BE49-F238E27FC236}">
+                <a16:creationId xmlns:a16="http://schemas.microsoft.com/office/drawing/2014/main" id="{EAEF4A90-D777-4913-A247-A4A036A03F22}"/>
+              </a:ext>
+            </a:extLst>
+          </p:cNvPr>
+          <p:cNvSpPr txBox="1"/>
+          <p:nvPr/>
+        </p:nvSpPr>
+        <p:spPr>
+          <a:xfrm>
+            <a:off x="461394" y="6188731"/>
+            <a:ext cx="5634606" cy="430887"/>
+          </a:xfrm>
+          <a:prstGeom prst="rect">
+            <a:avLst/>
+          </a:prstGeom>
+          <a:noFill/>
+        </p:spPr>
+        <p:txBody>
+          <a:bodyPr wrap="square" rtlCol="0">
+            <a:spAutoFit/>
+          </a:bodyPr>
+          <a:lstStyle/>
+          <a:p>
+            <a:pPr algn="ctr"/>
+            <a:r>
+              <a:rPr lang="en-US" sz="1100" dirty="0"/>
+              <a:t>10</a:t>
+            </a:r>
+            <a:r>
+              <a:rPr lang="en-US" sz="1100" baseline="30000" dirty="0"/>
+              <a:t>th</a:t>
+            </a:r>
+            <a:r>
+              <a:rPr lang="en-US" sz="1100" dirty="0"/>
+              <a:t> century table</a:t>
+            </a:r>
+            <a:br>
+              <a:rPr lang="en-US" sz="1100" dirty="0"/>
+            </a:br>
+            <a:r>
+              <a:rPr lang="en-US" sz="1100" dirty="0"/>
+              <a:t>Ref: https://commons.wikimedia.org/wiki/Medieval_diagram</a:t>
+            </a:r>
+          </a:p>
+        </p:txBody>
+      </p:sp>
+      <p:pic>
+        <p:nvPicPr>
+          <p:cNvPr id="7" name="Picture 6">
+            <a:extLst>
+              <a:ext uri="{FF2B5EF4-FFF2-40B4-BE49-F238E27FC236}">
+                <a16:creationId xmlns:a16="http://schemas.microsoft.com/office/drawing/2014/main" id="{93AC6D21-E97E-4A95-8039-9DE3F98E04DB}"/>
+              </a:ext>
+            </a:extLst>
+          </p:cNvPr>
+          <p:cNvPicPr>
+            <a:picLocks noChangeAspect="1"/>
+          </p:cNvPicPr>
+          <p:nvPr/>
+        </p:nvPicPr>
+        <p:blipFill>
+          <a:blip r:embed="rId2">
+            <a:extLst>
+              <a:ext uri="{28A0092B-C50C-407E-A947-70E740481C1C}">
+                <a14:useLocalDpi xmlns:a14="http://schemas.microsoft.com/office/drawing/2010/main" val="0"/>
+              </a:ext>
+            </a:extLst>
+          </a:blip>
+          <a:stretch>
+            <a:fillRect/>
+          </a:stretch>
+        </p:blipFill>
+        <p:spPr>
+          <a:xfrm>
+            <a:off x="1358868" y="1413713"/>
+            <a:ext cx="3573860" cy="4763250"/>
+          </a:xfrm>
+          <a:prstGeom prst="rect">
+            <a:avLst/>
+          </a:prstGeom>
+        </p:spPr>
+      </p:pic>
     </p:spTree>
     <p:extLst>
       <p:ext uri="{BB962C8B-B14F-4D97-AF65-F5344CB8AC3E}">
-        <p14:creationId xmlns:p14="http://schemas.microsoft.com/office/powerpoint/2010/main" val="3215637375"/>
+        <p14:creationId xmlns:p14="http://schemas.microsoft.com/office/powerpoint/2010/main" val="550421722"/>
       </p:ext>
     </p:extLst>
   </p:cSld>
@@ -3967,7 +6881,7 @@
           <p:cNvPr id="2" name="Title 1">
             <a:extLst>
               <a:ext uri="{FF2B5EF4-FFF2-40B4-BE49-F238E27FC236}">
-                <a16:creationId xmlns:a16="http://schemas.microsoft.com/office/drawing/2014/main" id="{45E43B97-1371-4942-AEA2-7D095B695916}"/>
+                <a16:creationId xmlns:a16="http://schemas.microsoft.com/office/drawing/2014/main" id="{586CBE5C-8BE4-4E0A-BC27-BCA5A8AA53FF}"/>
               </a:ext>
             </a:extLst>
           </p:cNvPr>
@@ -3984,47 +6898,193 @@
           <a:lstStyle/>
           <a:p>
             <a:r>
-              <a:rPr lang="en-US" dirty="0" err="1"/>
-              <a:t>MetaOmGraph</a:t>
-            </a:r>
+              <a:rPr lang="en-US" dirty="0"/>
+              <a:t>Data visualization history</a:t>
+            </a:r>
+          </a:p>
+        </p:txBody>
+      </p:sp>
+      <p:sp>
+        <p:nvSpPr>
+          <p:cNvPr id="3" name="Content Placeholder 2">
+            <a:extLst>
+              <a:ext uri="{FF2B5EF4-FFF2-40B4-BE49-F238E27FC236}">
+                <a16:creationId xmlns:a16="http://schemas.microsoft.com/office/drawing/2014/main" id="{626874F4-013F-4E8E-B349-F4A2DB22EC74}"/>
+              </a:ext>
+            </a:extLst>
+          </p:cNvPr>
+          <p:cNvSpPr>
+            <a:spLocks noGrp="1"/>
+          </p:cNvSpPr>
+          <p:nvPr>
+            <p:ph idx="1"/>
+          </p:nvPr>
+        </p:nvSpPr>
+        <p:spPr>
+          <a:xfrm>
+            <a:off x="6096000" y="1825625"/>
+            <a:ext cx="5257800" cy="4351338"/>
+          </a:xfrm>
+        </p:spPr>
+        <p:txBody>
+          <a:bodyPr>
+            <a:normAutofit fontScale="70000" lnSpcReduction="20000"/>
+          </a:bodyPr>
+          <a:lstStyle/>
+          <a:p>
+            <a:r>
+              <a:rPr lang="en-US" b="1" dirty="0"/>
+              <a:t>The earliest visualization arose in geometric diagrams of celestial bodies and maps.</a:t>
+            </a:r>
+          </a:p>
+          <a:p>
+            <a:r>
+              <a:rPr lang="en-US" dirty="0"/>
+              <a:t>Descartes invented the graph in 17</a:t>
+            </a:r>
+            <a:r>
+              <a:rPr lang="en-US" baseline="30000" dirty="0"/>
+              <a:t>th</a:t>
+            </a:r>
+            <a:r>
+              <a:rPr lang="en-US" dirty="0"/>
+              <a:t> century.</a:t>
+            </a:r>
+          </a:p>
+          <a:p>
+            <a:r>
+              <a:rPr lang="en-US" dirty="0"/>
+              <a:t>Early beginnings of statistical theory and data collection in 18</a:t>
+            </a:r>
+            <a:r>
+              <a:rPr lang="en-US" baseline="30000" dirty="0"/>
+              <a:t>th</a:t>
+            </a:r>
+            <a:r>
+              <a:rPr lang="en-US" dirty="0"/>
+              <a:t> century</a:t>
+            </a:r>
+          </a:p>
+          <a:p>
+            <a:r>
+              <a:rPr lang="en-US" dirty="0"/>
+              <a:t>Rapid growth in statistical graphics. bar and pie charts, histograms, line graphs, contour plots, scatter plots were invented in 19</a:t>
+            </a:r>
+            <a:r>
+              <a:rPr lang="en-US" baseline="30000" dirty="0"/>
+              <a:t>th</a:t>
+            </a:r>
+            <a:r>
+              <a:rPr lang="en-US" dirty="0"/>
+              <a:t> century.</a:t>
+            </a:r>
+          </a:p>
+          <a:p>
+            <a:r>
+              <a:rPr lang="en-US" dirty="0"/>
+              <a:t>In 1950 John W. Tukey published The Future of Data Analysis</a:t>
+            </a:r>
+          </a:p>
+          <a:p>
+            <a:r>
+              <a:rPr lang="en-US" dirty="0"/>
+              <a:t>In 1960, the possibility to construct new graphics with computers</a:t>
+            </a:r>
+          </a:p>
+          <a:p>
+            <a:r>
+              <a:rPr lang="en-US" dirty="0"/>
+              <a:t>Presently, we have high-dimensional data to visualize. Challenging to have dynamic and interactive visualizations</a:t>
+            </a:r>
+          </a:p>
+          <a:p>
             <a:endParaRPr lang="en-US" dirty="0"/>
           </a:p>
-        </p:txBody>
-      </p:sp>
-      <p:sp>
-        <p:nvSpPr>
-          <p:cNvPr id="3" name="Content Placeholder 2">
-            <a:extLst>
-              <a:ext uri="{FF2B5EF4-FFF2-40B4-BE49-F238E27FC236}">
-                <a16:creationId xmlns:a16="http://schemas.microsoft.com/office/drawing/2014/main" id="{6FBD5565-80D5-4796-894C-5A28797252DD}"/>
-              </a:ext>
-            </a:extLst>
-          </p:cNvPr>
-          <p:cNvSpPr>
-            <a:spLocks noGrp="1"/>
-          </p:cNvSpPr>
-          <p:nvPr>
-            <p:ph idx="1"/>
-          </p:nvPr>
-        </p:nvSpPr>
-        <p:spPr/>
-        <p:txBody>
-          <a:bodyPr/>
-          <a:lstStyle/>
-          <a:p>
-            <a:r>
-              <a:rPr lang="en-US" dirty="0" err="1"/>
-              <a:t>MetaOmGraph</a:t>
-            </a:r>
-            <a:r>
-              <a:rPr lang="en-US" dirty="0"/>
-              <a:t> (MOG)  is a software for statistical analysis and interactive exploration of big datasets</a:t>
-            </a:r>
-          </a:p>
-          <a:p>
-            <a:r>
-              <a:rPr lang="en-US" dirty="0"/>
-              <a:t>MOG is free and open source and written in java</a:t>
+          <a:p>
+            <a:endParaRPr lang="en-US" dirty="0"/>
+          </a:p>
+          <a:p>
+            <a:endParaRPr lang="en-US" dirty="0"/>
+          </a:p>
+          <a:p>
+            <a:endParaRPr lang="en-US" dirty="0"/>
+          </a:p>
+          <a:p>
+            <a:endParaRPr lang="en-US" dirty="0"/>
+          </a:p>
+          <a:p>
+            <a:endParaRPr lang="en-US" dirty="0"/>
+          </a:p>
+        </p:txBody>
+      </p:sp>
+      <p:pic>
+        <p:nvPicPr>
+          <p:cNvPr id="4" name="Picture 3">
+            <a:extLst>
+              <a:ext uri="{FF2B5EF4-FFF2-40B4-BE49-F238E27FC236}">
+                <a16:creationId xmlns:a16="http://schemas.microsoft.com/office/drawing/2014/main" id="{38DDA978-631F-44F8-95FC-B0CB4F94B6F5}"/>
+              </a:ext>
+            </a:extLst>
+          </p:cNvPr>
+          <p:cNvPicPr>
+            <a:picLocks noChangeAspect="1"/>
+          </p:cNvPicPr>
+          <p:nvPr/>
+        </p:nvPicPr>
+        <p:blipFill rotWithShape="1">
+          <a:blip r:embed="rId2"/>
+          <a:srcRect l="36468" t="28564" r="26652" b="24943"/>
+          <a:stretch/>
+        </p:blipFill>
+        <p:spPr>
+          <a:xfrm>
+            <a:off x="838200" y="1825624"/>
+            <a:ext cx="5262852" cy="3593663"/>
+          </a:xfrm>
+          <a:prstGeom prst="rect">
+            <a:avLst/>
+          </a:prstGeom>
+        </p:spPr>
+      </p:pic>
+      <p:sp>
+        <p:nvSpPr>
+          <p:cNvPr id="5" name="TextBox 4">
+            <a:extLst>
+              <a:ext uri="{FF2B5EF4-FFF2-40B4-BE49-F238E27FC236}">
+                <a16:creationId xmlns:a16="http://schemas.microsoft.com/office/drawing/2014/main" id="{EAEF4A90-D777-4913-A247-A4A036A03F22}"/>
+              </a:ext>
+            </a:extLst>
+          </p:cNvPr>
+          <p:cNvSpPr txBox="1"/>
+          <p:nvPr/>
+        </p:nvSpPr>
+        <p:spPr>
+          <a:xfrm>
+            <a:off x="687897" y="5419287"/>
+            <a:ext cx="5408103" cy="430887"/>
+          </a:xfrm>
+          <a:prstGeom prst="rect">
+            <a:avLst/>
+          </a:prstGeom>
+          <a:noFill/>
+        </p:spPr>
+        <p:txBody>
+          <a:bodyPr wrap="square" rtlCol="0">
+            <a:spAutoFit/>
+          </a:bodyPr>
+          <a:lstStyle/>
+          <a:p>
+            <a:r>
+              <a:rPr lang="en-US" sz="1100" dirty="0"/>
+              <a:t>Ref: Friendly, Michael. "A brief history of data visualization." </a:t>
+            </a:r>
+            <a:r>
+              <a:rPr lang="en-US" sz="1100" i="1" dirty="0"/>
+              <a:t>Handbook of data visualization</a:t>
+            </a:r>
+            <a:r>
+              <a:rPr lang="en-US" sz="1100" dirty="0"/>
+              <a:t>. Springer, Berlin, Heidelberg, 2008. 15-56.</a:t>
             </a:r>
           </a:p>
         </p:txBody>
@@ -4032,7 +7092,7 @@
     </p:spTree>
     <p:extLst>
       <p:ext uri="{BB962C8B-B14F-4D97-AF65-F5344CB8AC3E}">
-        <p14:creationId xmlns:p14="http://schemas.microsoft.com/office/powerpoint/2010/main" val="3760406835"/>
+        <p14:creationId xmlns:p14="http://schemas.microsoft.com/office/powerpoint/2010/main" val="3215637375"/>
       </p:ext>
     </p:extLst>
   </p:cSld>
@@ -4064,7 +7124,7 @@
           <p:cNvPr id="2" name="Title 1">
             <a:extLst>
               <a:ext uri="{FF2B5EF4-FFF2-40B4-BE49-F238E27FC236}">
-                <a16:creationId xmlns:a16="http://schemas.microsoft.com/office/drawing/2014/main" id="{1F0CC2FC-D35F-4219-835D-30DBEF8ED207}"/>
+                <a16:creationId xmlns:a16="http://schemas.microsoft.com/office/drawing/2014/main" id="{586CBE5C-8BE4-4E0A-BC27-BCA5A8AA53FF}"/>
               </a:ext>
             </a:extLst>
           </p:cNvPr>
@@ -4081,12 +7141,8 @@
           <a:lstStyle/>
           <a:p>
             <a:r>
-              <a:rPr lang="en-US" dirty="0" err="1"/>
-              <a:t>MetaOmGraph</a:t>
-            </a:r>
-            <a:r>
-              <a:rPr lang="en-US" dirty="0"/>
-              <a:t> fun facts</a:t>
+              <a:rPr lang="en-US" dirty="0"/>
+              <a:t>Data visualization history</a:t>
             </a:r>
           </a:p>
         </p:txBody>
@@ -4096,7 +7152,7 @@
           <p:cNvPr id="3" name="Content Placeholder 2">
             <a:extLst>
               <a:ext uri="{FF2B5EF4-FFF2-40B4-BE49-F238E27FC236}">
-                <a16:creationId xmlns:a16="http://schemas.microsoft.com/office/drawing/2014/main" id="{7D4BC822-5173-4C91-AA01-278B7064CD49}"/>
+                <a16:creationId xmlns:a16="http://schemas.microsoft.com/office/drawing/2014/main" id="{626874F4-013F-4E8E-B349-F4A2DB22EC74}"/>
               </a:ext>
             </a:extLst>
           </p:cNvPr>
@@ -4107,19 +7163,432 @@
             <p:ph idx="1"/>
           </p:nvPr>
         </p:nvSpPr>
-        <p:spPr/>
-        <p:txBody>
-          <a:bodyPr/>
-          <a:lstStyle/>
-          <a:p>
-            <a:endParaRPr lang="en-US"/>
-          </a:p>
-        </p:txBody>
-      </p:sp>
+        <p:spPr>
+          <a:xfrm>
+            <a:off x="6096000" y="1825625"/>
+            <a:ext cx="5257800" cy="4351338"/>
+          </a:xfrm>
+        </p:spPr>
+        <p:txBody>
+          <a:bodyPr>
+            <a:normAutofit fontScale="70000" lnSpcReduction="20000"/>
+          </a:bodyPr>
+          <a:lstStyle/>
+          <a:p>
+            <a:r>
+              <a:rPr lang="en-US" dirty="0"/>
+              <a:t>The earliest visualization arose in geometric diagrams of celestial bodies and maps.</a:t>
+            </a:r>
+          </a:p>
+          <a:p>
+            <a:r>
+              <a:rPr lang="en-US" b="1" dirty="0"/>
+              <a:t>Descartes invented the graph in 17</a:t>
+            </a:r>
+            <a:r>
+              <a:rPr lang="en-US" b="1" baseline="30000" dirty="0"/>
+              <a:t>th</a:t>
+            </a:r>
+            <a:r>
+              <a:rPr lang="en-US" b="1" dirty="0"/>
+              <a:t> century.</a:t>
+            </a:r>
+          </a:p>
+          <a:p>
+            <a:r>
+              <a:rPr lang="en-US" dirty="0"/>
+              <a:t>Early beginnings of statistical theory and data collection in 18</a:t>
+            </a:r>
+            <a:r>
+              <a:rPr lang="en-US" baseline="30000" dirty="0"/>
+              <a:t>th</a:t>
+            </a:r>
+            <a:r>
+              <a:rPr lang="en-US" dirty="0"/>
+              <a:t> century</a:t>
+            </a:r>
+          </a:p>
+          <a:p>
+            <a:r>
+              <a:rPr lang="en-US" dirty="0"/>
+              <a:t>Rapid growth in statistical graphics. bar and pie charts, histograms, line graphs, contour plots, scatter plots were invented in 19</a:t>
+            </a:r>
+            <a:r>
+              <a:rPr lang="en-US" baseline="30000" dirty="0"/>
+              <a:t>th</a:t>
+            </a:r>
+            <a:r>
+              <a:rPr lang="en-US" dirty="0"/>
+              <a:t> century.</a:t>
+            </a:r>
+          </a:p>
+          <a:p>
+            <a:r>
+              <a:rPr lang="en-US" dirty="0"/>
+              <a:t>In 1950 John W. Tukey published The Future of Data Analysis</a:t>
+            </a:r>
+          </a:p>
+          <a:p>
+            <a:r>
+              <a:rPr lang="en-US" dirty="0"/>
+              <a:t>In 1960, the possibility to construct new graphics with computers</a:t>
+            </a:r>
+          </a:p>
+          <a:p>
+            <a:r>
+              <a:rPr lang="en-US" dirty="0"/>
+              <a:t>Presently, we have high-dimensional data to visualize. Challenging to have dynamic and interactive visualizations</a:t>
+            </a:r>
+          </a:p>
+          <a:p>
+            <a:endParaRPr lang="en-US" dirty="0"/>
+          </a:p>
+          <a:p>
+            <a:endParaRPr lang="en-US" dirty="0"/>
+          </a:p>
+          <a:p>
+            <a:endParaRPr lang="en-US" dirty="0"/>
+          </a:p>
+          <a:p>
+            <a:endParaRPr lang="en-US" dirty="0"/>
+          </a:p>
+          <a:p>
+            <a:endParaRPr lang="en-US" dirty="0"/>
+          </a:p>
+          <a:p>
+            <a:endParaRPr lang="en-US" dirty="0"/>
+          </a:p>
+        </p:txBody>
+      </p:sp>
+      <p:sp>
+        <p:nvSpPr>
+          <p:cNvPr id="5" name="TextBox 4">
+            <a:extLst>
+              <a:ext uri="{FF2B5EF4-FFF2-40B4-BE49-F238E27FC236}">
+                <a16:creationId xmlns:a16="http://schemas.microsoft.com/office/drawing/2014/main" id="{EAEF4A90-D777-4913-A247-A4A036A03F22}"/>
+              </a:ext>
+            </a:extLst>
+          </p:cNvPr>
+          <p:cNvSpPr txBox="1"/>
+          <p:nvPr/>
+        </p:nvSpPr>
+        <p:spPr>
+          <a:xfrm>
+            <a:off x="2290630" y="4630722"/>
+            <a:ext cx="2202636" cy="600164"/>
+          </a:xfrm>
+          <a:prstGeom prst="rect">
+            <a:avLst/>
+          </a:prstGeom>
+          <a:noFill/>
+        </p:spPr>
+        <p:txBody>
+          <a:bodyPr wrap="square" rtlCol="0">
+            <a:spAutoFit/>
+          </a:bodyPr>
+          <a:lstStyle/>
+          <a:p>
+            <a:r>
+              <a:rPr lang="en-US" sz="1100" dirty="0"/>
+              <a:t>René Descartes was a French philosopher, mathematician, and scientist.</a:t>
+            </a:r>
+          </a:p>
+        </p:txBody>
+      </p:sp>
+      <p:pic>
+        <p:nvPicPr>
+          <p:cNvPr id="7" name="Picture 6">
+            <a:extLst>
+              <a:ext uri="{FF2B5EF4-FFF2-40B4-BE49-F238E27FC236}">
+                <a16:creationId xmlns:a16="http://schemas.microsoft.com/office/drawing/2014/main" id="{EC7DF219-4294-41BF-9E75-153EB14CE4E3}"/>
+              </a:ext>
+            </a:extLst>
+          </p:cNvPr>
+          <p:cNvPicPr>
+            <a:picLocks noChangeAspect="1"/>
+          </p:cNvPicPr>
+          <p:nvPr/>
+        </p:nvPicPr>
+        <p:blipFill>
+          <a:blip r:embed="rId2">
+            <a:extLst>
+              <a:ext uri="{28A0092B-C50C-407E-A947-70E740481C1C}">
+                <a14:useLocalDpi xmlns:a14="http://schemas.microsoft.com/office/drawing/2010/main" val="0"/>
+              </a:ext>
+            </a:extLst>
+          </a:blip>
+          <a:stretch>
+            <a:fillRect/>
+          </a:stretch>
+        </p:blipFill>
+        <p:spPr>
+          <a:xfrm>
+            <a:off x="2344198" y="1825625"/>
+            <a:ext cx="2095500" cy="2562225"/>
+          </a:xfrm>
+          <a:prstGeom prst="rect">
+            <a:avLst/>
+          </a:prstGeom>
+        </p:spPr>
+      </p:pic>
     </p:spTree>
     <p:extLst>
       <p:ext uri="{BB962C8B-B14F-4D97-AF65-F5344CB8AC3E}">
-        <p14:creationId xmlns:p14="http://schemas.microsoft.com/office/powerpoint/2010/main" val="4109012174"/>
+        <p14:creationId xmlns:p14="http://schemas.microsoft.com/office/powerpoint/2010/main" val="1808225995"/>
+      </p:ext>
+    </p:extLst>
+  </p:cSld>
+  <p:clrMapOvr>
+    <a:masterClrMapping/>
+  </p:clrMapOvr>
+</p:sld>
+</file>
+
+<file path=ppt/slides/slide9.xml><?xml version="1.0" encoding="utf-8"?>
+<p:sld xmlns:a="http://schemas.openxmlformats.org/drawingml/2006/main" xmlns:r="http://schemas.openxmlformats.org/officeDocument/2006/relationships" xmlns:p="http://schemas.openxmlformats.org/presentationml/2006/main">
+  <p:cSld>
+    <p:spTree>
+      <p:nvGrpSpPr>
+        <p:cNvPr id="1" name=""/>
+        <p:cNvGrpSpPr/>
+        <p:nvPr/>
+      </p:nvGrpSpPr>
+      <p:grpSpPr>
+        <a:xfrm>
+          <a:off x="0" y="0"/>
+          <a:ext cx="0" cy="0"/>
+          <a:chOff x="0" y="0"/>
+          <a:chExt cx="0" cy="0"/>
+        </a:xfrm>
+      </p:grpSpPr>
+      <p:sp>
+        <p:nvSpPr>
+          <p:cNvPr id="2" name="Title 1">
+            <a:extLst>
+              <a:ext uri="{FF2B5EF4-FFF2-40B4-BE49-F238E27FC236}">
+                <a16:creationId xmlns:a16="http://schemas.microsoft.com/office/drawing/2014/main" id="{586CBE5C-8BE4-4E0A-BC27-BCA5A8AA53FF}"/>
+              </a:ext>
+            </a:extLst>
+          </p:cNvPr>
+          <p:cNvSpPr>
+            <a:spLocks noGrp="1"/>
+          </p:cNvSpPr>
+          <p:nvPr>
+            <p:ph type="title"/>
+          </p:nvPr>
+        </p:nvSpPr>
+        <p:spPr/>
+        <p:txBody>
+          <a:bodyPr/>
+          <a:lstStyle/>
+          <a:p>
+            <a:r>
+              <a:rPr lang="en-US" dirty="0"/>
+              <a:t>Data visualization history</a:t>
+            </a:r>
+          </a:p>
+        </p:txBody>
+      </p:sp>
+      <p:sp>
+        <p:nvSpPr>
+          <p:cNvPr id="3" name="Content Placeholder 2">
+            <a:extLst>
+              <a:ext uri="{FF2B5EF4-FFF2-40B4-BE49-F238E27FC236}">
+                <a16:creationId xmlns:a16="http://schemas.microsoft.com/office/drawing/2014/main" id="{626874F4-013F-4E8E-B349-F4A2DB22EC74}"/>
+              </a:ext>
+            </a:extLst>
+          </p:cNvPr>
+          <p:cNvSpPr>
+            <a:spLocks noGrp="1"/>
+          </p:cNvSpPr>
+          <p:nvPr>
+            <p:ph idx="1"/>
+          </p:nvPr>
+        </p:nvSpPr>
+        <p:spPr>
+          <a:xfrm>
+            <a:off x="6096000" y="1825625"/>
+            <a:ext cx="5257800" cy="4351338"/>
+          </a:xfrm>
+        </p:spPr>
+        <p:txBody>
+          <a:bodyPr>
+            <a:normAutofit fontScale="70000" lnSpcReduction="20000"/>
+          </a:bodyPr>
+          <a:lstStyle/>
+          <a:p>
+            <a:r>
+              <a:rPr lang="en-US" dirty="0"/>
+              <a:t>The earliest visualization arose in geometric diagrams of celestial bodies and maps.</a:t>
+            </a:r>
+          </a:p>
+          <a:p>
+            <a:r>
+              <a:rPr lang="en-US" dirty="0"/>
+              <a:t>Descartes invented the graph in 17</a:t>
+            </a:r>
+            <a:r>
+              <a:rPr lang="en-US" baseline="30000" dirty="0"/>
+              <a:t>th</a:t>
+            </a:r>
+            <a:r>
+              <a:rPr lang="en-US" dirty="0"/>
+              <a:t> century.</a:t>
+            </a:r>
+          </a:p>
+          <a:p>
+            <a:r>
+              <a:rPr lang="en-US" b="1" dirty="0"/>
+              <a:t>Early beginnings of statistical theory and data collection in 18</a:t>
+            </a:r>
+            <a:r>
+              <a:rPr lang="en-US" b="1" baseline="30000" dirty="0"/>
+              <a:t>th</a:t>
+            </a:r>
+            <a:r>
+              <a:rPr lang="en-US" b="1" dirty="0"/>
+              <a:t> century</a:t>
+            </a:r>
+          </a:p>
+          <a:p>
+            <a:r>
+              <a:rPr lang="en-US" dirty="0"/>
+              <a:t>Rapid growth in statistical graphics. bar and pie charts, histograms, line graphs, contour plots, scatter plots were invented in 19</a:t>
+            </a:r>
+            <a:r>
+              <a:rPr lang="en-US" baseline="30000" dirty="0"/>
+              <a:t>th</a:t>
+            </a:r>
+            <a:r>
+              <a:rPr lang="en-US" dirty="0"/>
+              <a:t> century.</a:t>
+            </a:r>
+          </a:p>
+          <a:p>
+            <a:r>
+              <a:rPr lang="en-US" dirty="0"/>
+              <a:t>In 1950 John W. Tukey published The Future of Data Analysis</a:t>
+            </a:r>
+          </a:p>
+          <a:p>
+            <a:r>
+              <a:rPr lang="en-US" dirty="0"/>
+              <a:t>In 1960, the possibility to construct new graphics with computers</a:t>
+            </a:r>
+          </a:p>
+          <a:p>
+            <a:r>
+              <a:rPr lang="en-US" dirty="0"/>
+              <a:t>Presently, we have high-dimensional data to visualize. Challenging to have dynamic and interactive visualizations</a:t>
+            </a:r>
+          </a:p>
+          <a:p>
+            <a:endParaRPr lang="en-US" dirty="0"/>
+          </a:p>
+          <a:p>
+            <a:endParaRPr lang="en-US" dirty="0"/>
+          </a:p>
+          <a:p>
+            <a:endParaRPr lang="en-US" dirty="0"/>
+          </a:p>
+          <a:p>
+            <a:endParaRPr lang="en-US" dirty="0"/>
+          </a:p>
+          <a:p>
+            <a:endParaRPr lang="en-US" dirty="0"/>
+          </a:p>
+          <a:p>
+            <a:endParaRPr lang="en-US" dirty="0"/>
+          </a:p>
+        </p:txBody>
+      </p:sp>
+      <p:pic>
+        <p:nvPicPr>
+          <p:cNvPr id="6" name="Picture 5">
+            <a:extLst>
+              <a:ext uri="{FF2B5EF4-FFF2-40B4-BE49-F238E27FC236}">
+                <a16:creationId xmlns:a16="http://schemas.microsoft.com/office/drawing/2014/main" id="{EE065933-48D5-42F8-81F3-49A4B60CE9A6}"/>
+              </a:ext>
+            </a:extLst>
+          </p:cNvPr>
+          <p:cNvPicPr>
+            <a:picLocks noChangeAspect="1"/>
+          </p:cNvPicPr>
+          <p:nvPr/>
+        </p:nvPicPr>
+        <p:blipFill>
+          <a:blip r:embed="rId2">
+            <a:extLst>
+              <a:ext uri="{28A0092B-C50C-407E-A947-70E740481C1C}">
+                <a14:useLocalDpi xmlns:a14="http://schemas.microsoft.com/office/drawing/2010/main" val="0"/>
+              </a:ext>
+            </a:extLst>
+          </a:blip>
+          <a:stretch>
+            <a:fillRect/>
+          </a:stretch>
+        </p:blipFill>
+        <p:spPr>
+          <a:xfrm>
+            <a:off x="2399033" y="1825625"/>
+            <a:ext cx="2895600" cy="3105150"/>
+          </a:xfrm>
+          <a:prstGeom prst="rect">
+            <a:avLst/>
+          </a:prstGeom>
+        </p:spPr>
+      </p:pic>
+      <p:sp>
+        <p:nvSpPr>
+          <p:cNvPr id="8" name="TextBox 7">
+            <a:extLst>
+              <a:ext uri="{FF2B5EF4-FFF2-40B4-BE49-F238E27FC236}">
+                <a16:creationId xmlns:a16="http://schemas.microsoft.com/office/drawing/2014/main" id="{C992001F-BDE3-4AB5-9614-A6B9BDBD9F9E}"/>
+              </a:ext>
+            </a:extLst>
+          </p:cNvPr>
+          <p:cNvSpPr txBox="1"/>
+          <p:nvPr/>
+        </p:nvSpPr>
+        <p:spPr>
+          <a:xfrm>
+            <a:off x="2290675" y="5065712"/>
+            <a:ext cx="3112316" cy="1277273"/>
+          </a:xfrm>
+          <a:prstGeom prst="rect">
+            <a:avLst/>
+          </a:prstGeom>
+          <a:noFill/>
+        </p:spPr>
+        <p:txBody>
+          <a:bodyPr wrap="square" rtlCol="0">
+            <a:spAutoFit/>
+          </a:bodyPr>
+          <a:lstStyle/>
+          <a:p>
+            <a:r>
+              <a:rPr lang="en-US" sz="1100" dirty="0"/>
+              <a:t>Thomas Bayes was an English statistician, philosopher. Bayes’ theorem is named after Reverend Thomas Bayes, who first provided an equation that allows new evidence to update beliefs in his </a:t>
+            </a:r>
+            <a:r>
+              <a:rPr lang="en-US" sz="1100" i="1" dirty="0"/>
+              <a:t>An Essay towards solving a Problem in the Doctrine of Chances </a:t>
+            </a:r>
+            <a:br>
+              <a:rPr lang="en-US" sz="1100" i="1" dirty="0"/>
+            </a:br>
+            <a:r>
+              <a:rPr lang="en-US" sz="1100" dirty="0"/>
+              <a:t>Ref: https://en.wikipedia.org/wiki/Thomas_Bayes</a:t>
+            </a:r>
+            <a:endParaRPr lang="en-US" sz="1100" i="1" dirty="0"/>
+          </a:p>
+        </p:txBody>
+      </p:sp>
+    </p:spTree>
+    <p:extLst>
+      <p:ext uri="{BB962C8B-B14F-4D97-AF65-F5344CB8AC3E}">
+        <p14:creationId xmlns:p14="http://schemas.microsoft.com/office/powerpoint/2010/main" val="2880827115"/>
       </p:ext>
     </p:extLst>
   </p:cSld>
